--- a/summary:papers/CogSci attempt.pptx
+++ b/summary:papers/CogSci attempt.pptx
@@ -27,18 +27,19 @@
     <p:sldId id="277" r:id="rId21"/>
     <p:sldId id="279" r:id="rId22"/>
     <p:sldId id="281" r:id="rId23"/>
-    <p:sldId id="260" r:id="rId24"/>
-    <p:sldId id="288" r:id="rId25"/>
-    <p:sldId id="290" r:id="rId26"/>
-    <p:sldId id="289" r:id="rId27"/>
-    <p:sldId id="285" r:id="rId28"/>
-    <p:sldId id="284" r:id="rId29"/>
-    <p:sldId id="287" r:id="rId30"/>
-    <p:sldId id="291" r:id="rId31"/>
-    <p:sldId id="261" r:id="rId32"/>
-    <p:sldId id="272" r:id="rId33"/>
-    <p:sldId id="282" r:id="rId34"/>
-    <p:sldId id="262" r:id="rId35"/>
+    <p:sldId id="292" r:id="rId24"/>
+    <p:sldId id="293" r:id="rId25"/>
+    <p:sldId id="294" r:id="rId26"/>
+    <p:sldId id="295" r:id="rId27"/>
+    <p:sldId id="260" r:id="rId28"/>
+    <p:sldId id="288" r:id="rId29"/>
+    <p:sldId id="290" r:id="rId30"/>
+    <p:sldId id="289" r:id="rId31"/>
+    <p:sldId id="285" r:id="rId32"/>
+    <p:sldId id="284" r:id="rId33"/>
+    <p:sldId id="287" r:id="rId34"/>
+    <p:sldId id="291" r:id="rId35"/>
+    <p:sldId id="262" r:id="rId36"/>
   </p:sldIdLst>
   <p:sldSz cx="12192000" cy="6858000"/>
   <p:notesSz cx="6858000" cy="9144000"/>
@@ -300,7 +301,7 @@
           <a:p>
             <a:fld id="{43822FF5-7326-0F4B-8451-4C5E0985A60D}" type="datetimeFigureOut">
               <a:rPr lang="en-US" smtClean="0"/>
-              <a:t>2/5/20</a:t>
+              <a:t>2/6/20</a:t>
             </a:fld>
             <a:endParaRPr lang="en-US"/>
           </a:p>
@@ -498,7 +499,7 @@
           <a:p>
             <a:fld id="{43822FF5-7326-0F4B-8451-4C5E0985A60D}" type="datetimeFigureOut">
               <a:rPr lang="en-US" smtClean="0"/>
-              <a:t>2/5/20</a:t>
+              <a:t>2/6/20</a:t>
             </a:fld>
             <a:endParaRPr lang="en-US"/>
           </a:p>
@@ -706,7 +707,7 @@
           <a:p>
             <a:fld id="{43822FF5-7326-0F4B-8451-4C5E0985A60D}" type="datetimeFigureOut">
               <a:rPr lang="en-US" smtClean="0"/>
-              <a:t>2/5/20</a:t>
+              <a:t>2/6/20</a:t>
             </a:fld>
             <a:endParaRPr lang="en-US"/>
           </a:p>
@@ -904,7 +905,7 @@
           <a:p>
             <a:fld id="{43822FF5-7326-0F4B-8451-4C5E0985A60D}" type="datetimeFigureOut">
               <a:rPr lang="en-US" smtClean="0"/>
-              <a:t>2/5/20</a:t>
+              <a:t>2/6/20</a:t>
             </a:fld>
             <a:endParaRPr lang="en-US"/>
           </a:p>
@@ -1179,7 +1180,7 @@
           <a:p>
             <a:fld id="{43822FF5-7326-0F4B-8451-4C5E0985A60D}" type="datetimeFigureOut">
               <a:rPr lang="en-US" smtClean="0"/>
-              <a:t>2/5/20</a:t>
+              <a:t>2/6/20</a:t>
             </a:fld>
             <a:endParaRPr lang="en-US"/>
           </a:p>
@@ -1444,7 +1445,7 @@
           <a:p>
             <a:fld id="{43822FF5-7326-0F4B-8451-4C5E0985A60D}" type="datetimeFigureOut">
               <a:rPr lang="en-US" smtClean="0"/>
-              <a:t>2/5/20</a:t>
+              <a:t>2/6/20</a:t>
             </a:fld>
             <a:endParaRPr lang="en-US"/>
           </a:p>
@@ -1856,7 +1857,7 @@
           <a:p>
             <a:fld id="{43822FF5-7326-0F4B-8451-4C5E0985A60D}" type="datetimeFigureOut">
               <a:rPr lang="en-US" smtClean="0"/>
-              <a:t>2/5/20</a:t>
+              <a:t>2/6/20</a:t>
             </a:fld>
             <a:endParaRPr lang="en-US"/>
           </a:p>
@@ -1997,7 +1998,7 @@
           <a:p>
             <a:fld id="{43822FF5-7326-0F4B-8451-4C5E0985A60D}" type="datetimeFigureOut">
               <a:rPr lang="en-US" smtClean="0"/>
-              <a:t>2/5/20</a:t>
+              <a:t>2/6/20</a:t>
             </a:fld>
             <a:endParaRPr lang="en-US"/>
           </a:p>
@@ -2110,7 +2111,7 @@
           <a:p>
             <a:fld id="{43822FF5-7326-0F4B-8451-4C5E0985A60D}" type="datetimeFigureOut">
               <a:rPr lang="en-US" smtClean="0"/>
-              <a:t>2/5/20</a:t>
+              <a:t>2/6/20</a:t>
             </a:fld>
             <a:endParaRPr lang="en-US"/>
           </a:p>
@@ -2421,7 +2422,7 @@
           <a:p>
             <a:fld id="{43822FF5-7326-0F4B-8451-4C5E0985A60D}" type="datetimeFigureOut">
               <a:rPr lang="en-US" smtClean="0"/>
-              <a:t>2/5/20</a:t>
+              <a:t>2/6/20</a:t>
             </a:fld>
             <a:endParaRPr lang="en-US"/>
           </a:p>
@@ -2709,7 +2710,7 @@
           <a:p>
             <a:fld id="{43822FF5-7326-0F4B-8451-4C5E0985A60D}" type="datetimeFigureOut">
               <a:rPr lang="en-US" smtClean="0"/>
-              <a:t>2/5/20</a:t>
+              <a:t>2/6/20</a:t>
             </a:fld>
             <a:endParaRPr lang="en-US"/>
           </a:p>
@@ -2950,7 +2951,7 @@
           <a:p>
             <a:fld id="{43822FF5-7326-0F4B-8451-4C5E0985A60D}" type="datetimeFigureOut">
               <a:rPr lang="en-US" smtClean="0"/>
-              <a:t>2/5/20</a:t>
+              <a:t>2/6/20</a:t>
             </a:fld>
             <a:endParaRPr lang="en-US"/>
           </a:p>
@@ -3385,7 +3386,7 @@
         </p:nvSpPr>
         <p:spPr>
           <a:xfrm>
-            <a:off x="1524000" y="234585"/>
+            <a:off x="1523999" y="1338171"/>
             <a:ext cx="9144000" cy="2387600"/>
           </a:xfrm>
         </p:spPr>
@@ -3400,43 +3401,6 @@
             <a:r>
               <a:rPr lang="en-US" dirty="0"/>
               <a:t> Attempt</a:t>
-            </a:r>
-          </a:p>
-        </p:txBody>
-      </p:sp>
-      <p:sp>
-        <p:nvSpPr>
-          <p:cNvPr id="3" name="Subtitle 2">
-            <a:extLst>
-              <a:ext uri="{FF2B5EF4-FFF2-40B4-BE49-F238E27FC236}">
-                <a16:creationId xmlns:a16="http://schemas.microsoft.com/office/drawing/2014/main" id="{14DAE78F-9F92-4D4F-9857-DCBFBDA8C39A}"/>
-              </a:ext>
-            </a:extLst>
-          </p:cNvPr>
-          <p:cNvSpPr>
-            <a:spLocks noGrp="1"/>
-          </p:cNvSpPr>
-          <p:nvPr>
-            <p:ph type="subTitle" idx="1"/>
-          </p:nvPr>
-        </p:nvSpPr>
-        <p:spPr>
-          <a:xfrm>
-            <a:off x="1524000" y="2622185"/>
-            <a:ext cx="9144000" cy="1655762"/>
-          </a:xfrm>
-        </p:spPr>
-        <p:txBody>
-          <a:bodyPr/>
-          <a:lstStyle/>
-          <a:p>
-            <a:r>
-              <a:rPr lang="en-US" dirty="0" err="1"/>
-              <a:t>Setayesh</a:t>
-            </a:r>
-            <a:r>
-              <a:rPr lang="en-US" dirty="0"/>
-              <a:t> &amp; Gal</a:t>
             </a:r>
           </a:p>
         </p:txBody>
@@ -4008,7 +3972,7 @@
         <p:spPr/>
         <p:txBody>
           <a:bodyPr>
-            <a:normAutofit/>
+            <a:normAutofit lnSpcReduction="10000"/>
           </a:bodyPr>
           <a:lstStyle/>
           <a:p>
@@ -4051,21 +4015,29 @@
             <a:pPr marL="0" indent="0">
               <a:buNone/>
             </a:pPr>
+            <a:endParaRPr lang="en-US">
+              <a:sym typeface="Wingdings" pitchFamily="2" charset="2"/>
+            </a:endParaRPr>
+          </a:p>
+          <a:p>
+            <a:pPr marL="0" indent="0">
+              <a:buNone/>
+            </a:pPr>
             <a:endParaRPr lang="en-US" dirty="0">
               <a:sym typeface="Wingdings" pitchFamily="2" charset="2"/>
             </a:endParaRPr>
           </a:p>
           <a:p>
-            <a:pPr marL="0" indent="0">
+            <a:pPr marL="0" indent="0" algn="ctr">
               <a:buNone/>
             </a:pPr>
             <a:r>
-              <a:rPr lang="en-US" dirty="0">
+              <a:rPr lang="en-US" sz="2000" dirty="0">
                 <a:sym typeface="Wingdings" pitchFamily="2" charset="2"/>
               </a:rPr>
-              <a:t>We extend the model to non-binary sequences</a:t>
-            </a:r>
-            <a:endParaRPr lang="en-US" dirty="0"/>
+              <a:t>(We extend Griffith &amp; Tenenbaum’s model to non-binary sequences)</a:t>
+            </a:r>
+            <a:endParaRPr lang="en-US" sz="2000" dirty="0"/>
           </a:p>
         </p:txBody>
       </p:sp>
@@ -4122,8 +4094,8 @@
         </p:blipFill>
         <p:spPr>
           <a:xfrm>
-            <a:off x="1946965" y="679612"/>
-            <a:ext cx="8618061" cy="6178388"/>
+            <a:off x="1489765" y="252248"/>
+            <a:ext cx="9566033" cy="6858000"/>
           </a:xfrm>
         </p:spPr>
       </p:pic>
@@ -4208,7 +4180,7 @@
           <a:p>
             <a:r>
               <a:rPr lang="en-US" dirty="0"/>
-              <a:t>Experiment 1 - Stimulus</a:t>
+              <a:t>Experiment 1 - Task</a:t>
             </a:r>
           </a:p>
         </p:txBody>
@@ -4393,8 +4365,8 @@
           </a:p>
         </p:txBody>
       </p:sp>
-      <mc:AlternateContent xmlns:mc="http://schemas.openxmlformats.org/markup-compatibility/2006" xmlns:a14="http://schemas.microsoft.com/office/drawing/2010/main">
-        <mc:Choice Requires="a14">
+      <mc:AlternateContent xmlns:mc="http://schemas.openxmlformats.org/markup-compatibility/2006">
+        <mc:Choice xmlns:a14="http://schemas.microsoft.com/office/drawing/2010/main" Requires="a14">
           <p:sp>
             <p:nvSpPr>
               <p:cNvPr id="3" name="Content Placeholder 2">
@@ -4486,7 +4458,7 @@
                 <a:endParaRPr lang="en-US" dirty="0"/>
               </a:p>
               <a:p>
-                <a:pPr marL="0" indent="0">
+                <a:pPr marL="0" indent="0" algn="ctr">
                   <a:buNone/>
                 </a:pPr>
                 <a:r>
@@ -4497,7 +4469,7 @@
             </p:txBody>
           </p:sp>
         </mc:Choice>
-        <mc:Fallback xmlns="">
+        <mc:Fallback>
           <p:sp>
             <p:nvSpPr>
               <p:cNvPr id="3" name="Content Placeholder 2">
@@ -4522,7 +4494,7 @@
               <a:blipFill>
                 <a:blip r:embed="rId2"/>
                 <a:stretch>
-                  <a:fillRect l="-956" t="-2000"/>
+                  <a:fillRect l="-836" t="-2000"/>
                 </a:stretch>
               </a:blipFill>
             </p:spPr>
@@ -4798,8 +4770,8 @@
         </p:blipFill>
         <p:spPr>
           <a:xfrm>
-            <a:off x="1689100" y="1918494"/>
-            <a:ext cx="8813800" cy="4165600"/>
+            <a:off x="1342259" y="1690688"/>
+            <a:ext cx="9819728" cy="4641024"/>
           </a:xfrm>
         </p:spPr>
       </p:pic>
@@ -4885,8 +4857,8 @@
         </p:blipFill>
         <p:spPr>
           <a:xfrm>
-            <a:off x="838200" y="1859692"/>
-            <a:ext cx="10515600" cy="3937213"/>
+            <a:off x="-431424" y="1690688"/>
+            <a:ext cx="13054848" cy="4887949"/>
           </a:xfrm>
         </p:spPr>
       </p:pic>
@@ -5073,7 +5045,7 @@
           <a:p>
             <a:r>
               <a:rPr lang="en-US" dirty="0"/>
-              <a:t>Experiment 2 - Stimulus</a:t>
+              <a:t>Experiment 2 - Task</a:t>
             </a:r>
           </a:p>
         </p:txBody>
@@ -5899,8 +5871,983 @@
           <a:chExt cx="0" cy="0"/>
         </a:xfrm>
       </p:grpSpPr>
-      <mc:AlternateContent xmlns:mc="http://schemas.openxmlformats.org/markup-compatibility/2006" xmlns:a14="http://schemas.microsoft.com/office/drawing/2010/main">
-        <mc:Choice Requires="a14">
+      <p:sp>
+        <p:nvSpPr>
+          <p:cNvPr id="2" name="Title 1">
+            <a:extLst>
+              <a:ext uri="{FF2B5EF4-FFF2-40B4-BE49-F238E27FC236}">
+                <a16:creationId xmlns:a16="http://schemas.microsoft.com/office/drawing/2014/main" id="{5CF76926-5145-224F-A917-ECCB5C5F4758}"/>
+              </a:ext>
+            </a:extLst>
+          </p:cNvPr>
+          <p:cNvSpPr>
+            <a:spLocks noGrp="1"/>
+          </p:cNvSpPr>
+          <p:nvPr>
+            <p:ph type="title"/>
+          </p:nvPr>
+        </p:nvSpPr>
+        <p:spPr/>
+        <p:txBody>
+          <a:bodyPr/>
+          <a:lstStyle/>
+          <a:p>
+            <a:r>
+              <a:rPr lang="en-US" dirty="0"/>
+              <a:t>Model behavior of normalized random(X)</a:t>
+            </a:r>
+          </a:p>
+        </p:txBody>
+      </p:sp>
+      <p:sp>
+        <p:nvSpPr>
+          <p:cNvPr id="3" name="Content Placeholder 2">
+            <a:extLst>
+              <a:ext uri="{FF2B5EF4-FFF2-40B4-BE49-F238E27FC236}">
+                <a16:creationId xmlns:a16="http://schemas.microsoft.com/office/drawing/2014/main" id="{93393A6F-0A4B-AE4F-A459-FB05F7CFAAD3}"/>
+              </a:ext>
+            </a:extLst>
+          </p:cNvPr>
+          <p:cNvSpPr>
+            <a:spLocks noGrp="1"/>
+          </p:cNvSpPr>
+          <p:nvPr>
+            <p:ph idx="1"/>
+          </p:nvPr>
+        </p:nvSpPr>
+        <p:spPr/>
+        <p:txBody>
+          <a:bodyPr>
+            <a:normAutofit/>
+          </a:bodyPr>
+          <a:lstStyle/>
+          <a:p>
+            <a:r>
+              <a:rPr lang="en-US" sz="2400" dirty="0"/>
+              <a:t>The model behaves as expected for deterministic sequences and violations:</a:t>
+            </a:r>
+          </a:p>
+          <a:p>
+            <a:endParaRPr lang="en-US" sz="2400" dirty="0"/>
+          </a:p>
+          <a:p>
+            <a:endParaRPr lang="en-US" sz="2400" dirty="0"/>
+          </a:p>
+        </p:txBody>
+      </p:sp>
+      <p:pic>
+        <p:nvPicPr>
+          <p:cNvPr id="5" name="Picture 4" descr="A close up of a map&#10;&#10;Description automatically generated">
+            <a:extLst>
+              <a:ext uri="{FF2B5EF4-FFF2-40B4-BE49-F238E27FC236}">
+                <a16:creationId xmlns:a16="http://schemas.microsoft.com/office/drawing/2014/main" id="{DBABEE6F-F18D-594B-95F4-DB0D55DA9834}"/>
+              </a:ext>
+            </a:extLst>
+          </p:cNvPr>
+          <p:cNvPicPr>
+            <a:picLocks noChangeAspect="1"/>
+          </p:cNvPicPr>
+          <p:nvPr/>
+        </p:nvPicPr>
+        <p:blipFill>
+          <a:blip r:embed="rId2"/>
+          <a:stretch>
+            <a:fillRect/>
+          </a:stretch>
+        </p:blipFill>
+        <p:spPr>
+          <a:xfrm>
+            <a:off x="838200" y="2550894"/>
+            <a:ext cx="4820370" cy="3626069"/>
+          </a:xfrm>
+          <a:prstGeom prst="rect">
+            <a:avLst/>
+          </a:prstGeom>
+        </p:spPr>
+      </p:pic>
+      <p:pic>
+        <p:nvPicPr>
+          <p:cNvPr id="7" name="Picture 6" descr="A close up of a map&#10;&#10;Description automatically generated">
+            <a:extLst>
+              <a:ext uri="{FF2B5EF4-FFF2-40B4-BE49-F238E27FC236}">
+                <a16:creationId xmlns:a16="http://schemas.microsoft.com/office/drawing/2014/main" id="{F0B0CF90-D6A4-5A4A-88A2-47030D80CE40}"/>
+              </a:ext>
+            </a:extLst>
+          </p:cNvPr>
+          <p:cNvPicPr>
+            <a:picLocks noChangeAspect="1"/>
+          </p:cNvPicPr>
+          <p:nvPr/>
+        </p:nvPicPr>
+        <p:blipFill>
+          <a:blip r:embed="rId3"/>
+          <a:stretch>
+            <a:fillRect/>
+          </a:stretch>
+        </p:blipFill>
+        <p:spPr>
+          <a:xfrm>
+            <a:off x="6338035" y="2550893"/>
+            <a:ext cx="4829924" cy="3626069"/>
+          </a:xfrm>
+          <a:prstGeom prst="rect">
+            <a:avLst/>
+          </a:prstGeom>
+        </p:spPr>
+      </p:pic>
+      <p:sp>
+        <p:nvSpPr>
+          <p:cNvPr id="8" name="TextBox 7">
+            <a:extLst>
+              <a:ext uri="{FF2B5EF4-FFF2-40B4-BE49-F238E27FC236}">
+                <a16:creationId xmlns:a16="http://schemas.microsoft.com/office/drawing/2014/main" id="{7884D755-72BA-E440-A1AC-E30816D5BA2E}"/>
+              </a:ext>
+            </a:extLst>
+          </p:cNvPr>
+          <p:cNvSpPr txBox="1"/>
+          <p:nvPr/>
+        </p:nvSpPr>
+        <p:spPr>
+          <a:xfrm>
+            <a:off x="2412812" y="6176962"/>
+            <a:ext cx="1671145" cy="369332"/>
+          </a:xfrm>
+          <a:prstGeom prst="rect">
+            <a:avLst/>
+          </a:prstGeom>
+          <a:noFill/>
+        </p:spPr>
+        <p:txBody>
+          <a:bodyPr wrap="square" rtlCol="0">
+            <a:spAutoFit/>
+          </a:bodyPr>
+          <a:lstStyle/>
+          <a:p>
+            <a:r>
+              <a:rPr lang="en-US" b="1" dirty="0"/>
+              <a:t>Deterministic</a:t>
+            </a:r>
+          </a:p>
+        </p:txBody>
+      </p:sp>
+      <p:sp>
+        <p:nvSpPr>
+          <p:cNvPr id="9" name="TextBox 8">
+            <a:extLst>
+              <a:ext uri="{FF2B5EF4-FFF2-40B4-BE49-F238E27FC236}">
+                <a16:creationId xmlns:a16="http://schemas.microsoft.com/office/drawing/2014/main" id="{98290D6A-A376-9D4C-A6F7-F57D765309D6}"/>
+              </a:ext>
+            </a:extLst>
+          </p:cNvPr>
+          <p:cNvSpPr txBox="1"/>
+          <p:nvPr/>
+        </p:nvSpPr>
+        <p:spPr>
+          <a:xfrm>
+            <a:off x="8457919" y="6176962"/>
+            <a:ext cx="1671145" cy="369332"/>
+          </a:xfrm>
+          <a:prstGeom prst="rect">
+            <a:avLst/>
+          </a:prstGeom>
+          <a:noFill/>
+        </p:spPr>
+        <p:txBody>
+          <a:bodyPr wrap="square" rtlCol="0">
+            <a:spAutoFit/>
+          </a:bodyPr>
+          <a:lstStyle/>
+          <a:p>
+            <a:r>
+              <a:rPr lang="en-US" b="1" dirty="0"/>
+              <a:t>Violation</a:t>
+            </a:r>
+          </a:p>
+        </p:txBody>
+      </p:sp>
+    </p:spTree>
+    <p:extLst>
+      <p:ext uri="{BB962C8B-B14F-4D97-AF65-F5344CB8AC3E}">
+        <p14:creationId xmlns:p14="http://schemas.microsoft.com/office/powerpoint/2010/main" val="4097292539"/>
+      </p:ext>
+    </p:extLst>
+  </p:cSld>
+  <p:clrMapOvr>
+    <a:masterClrMapping/>
+  </p:clrMapOvr>
+</p:sld>
+</file>
+
+<file path=ppt/slides/slide24.xml><?xml version="1.0" encoding="utf-8"?>
+<p:sld xmlns:a="http://schemas.openxmlformats.org/drawingml/2006/main" xmlns:r="http://schemas.openxmlformats.org/officeDocument/2006/relationships" xmlns:p="http://schemas.openxmlformats.org/presentationml/2006/main">
+  <p:cSld>
+    <p:spTree>
+      <p:nvGrpSpPr>
+        <p:cNvPr id="1" name=""/>
+        <p:cNvGrpSpPr/>
+        <p:nvPr/>
+      </p:nvGrpSpPr>
+      <p:grpSpPr>
+        <a:xfrm>
+          <a:off x="0" y="0"/>
+          <a:ext cx="0" cy="0"/>
+          <a:chOff x="0" y="0"/>
+          <a:chExt cx="0" cy="0"/>
+        </a:xfrm>
+      </p:grpSpPr>
+      <p:sp>
+        <p:nvSpPr>
+          <p:cNvPr id="2" name="Title 1">
+            <a:extLst>
+              <a:ext uri="{FF2B5EF4-FFF2-40B4-BE49-F238E27FC236}">
+                <a16:creationId xmlns:a16="http://schemas.microsoft.com/office/drawing/2014/main" id="{5CF76926-5145-224F-A917-ECCB5C5F4758}"/>
+              </a:ext>
+            </a:extLst>
+          </p:cNvPr>
+          <p:cNvSpPr>
+            <a:spLocks noGrp="1"/>
+          </p:cNvSpPr>
+          <p:nvPr>
+            <p:ph type="title"/>
+          </p:nvPr>
+        </p:nvSpPr>
+        <p:spPr/>
+        <p:txBody>
+          <a:bodyPr/>
+          <a:lstStyle/>
+          <a:p>
+            <a:r>
+              <a:rPr lang="en-US" dirty="0"/>
+              <a:t>Model behavior of normalized random(X)</a:t>
+            </a:r>
+          </a:p>
+        </p:txBody>
+      </p:sp>
+      <p:sp>
+        <p:nvSpPr>
+          <p:cNvPr id="3" name="Content Placeholder 2">
+            <a:extLst>
+              <a:ext uri="{FF2B5EF4-FFF2-40B4-BE49-F238E27FC236}">
+                <a16:creationId xmlns:a16="http://schemas.microsoft.com/office/drawing/2014/main" id="{93393A6F-0A4B-AE4F-A459-FB05F7CFAAD3}"/>
+              </a:ext>
+            </a:extLst>
+          </p:cNvPr>
+          <p:cNvSpPr>
+            <a:spLocks noGrp="1"/>
+          </p:cNvSpPr>
+          <p:nvPr>
+            <p:ph idx="1"/>
+          </p:nvPr>
+        </p:nvSpPr>
+        <p:spPr/>
+        <p:txBody>
+          <a:bodyPr>
+            <a:normAutofit/>
+          </a:bodyPr>
+          <a:lstStyle/>
+          <a:p>
+            <a:endParaRPr lang="en-US" sz="2400" dirty="0"/>
+          </a:p>
+          <a:p>
+            <a:endParaRPr lang="en-US" sz="2400" dirty="0"/>
+          </a:p>
+        </p:txBody>
+      </p:sp>
+      <p:pic>
+        <p:nvPicPr>
+          <p:cNvPr id="6" name="Picture 5" descr="A close up of a map&#10;&#10;Description automatically generated">
+            <a:extLst>
+              <a:ext uri="{FF2B5EF4-FFF2-40B4-BE49-F238E27FC236}">
+                <a16:creationId xmlns:a16="http://schemas.microsoft.com/office/drawing/2014/main" id="{FDFE19D2-DB93-6C41-9BF2-E91AD34592C9}"/>
+              </a:ext>
+            </a:extLst>
+          </p:cNvPr>
+          <p:cNvPicPr>
+            <a:picLocks noChangeAspect="1"/>
+          </p:cNvPicPr>
+          <p:nvPr/>
+        </p:nvPicPr>
+        <p:blipFill>
+          <a:blip r:embed="rId2"/>
+          <a:stretch>
+            <a:fillRect/>
+          </a:stretch>
+        </p:blipFill>
+        <p:spPr>
+          <a:xfrm>
+            <a:off x="6178542" y="2216259"/>
+            <a:ext cx="5965821" cy="4351337"/>
+          </a:xfrm>
+          <a:prstGeom prst="rect">
+            <a:avLst/>
+          </a:prstGeom>
+        </p:spPr>
+      </p:pic>
+      <p:pic>
+        <p:nvPicPr>
+          <p:cNvPr id="9" name="Picture 8" descr="A close up of text on a white background&#10;&#10;Description automatically generated">
+            <a:extLst>
+              <a:ext uri="{FF2B5EF4-FFF2-40B4-BE49-F238E27FC236}">
+                <a16:creationId xmlns:a16="http://schemas.microsoft.com/office/drawing/2014/main" id="{1F56FC41-E243-2C4C-943F-B019FE19088C}"/>
+              </a:ext>
+            </a:extLst>
+          </p:cNvPr>
+          <p:cNvPicPr>
+            <a:picLocks noChangeAspect="1"/>
+          </p:cNvPicPr>
+          <p:nvPr/>
+        </p:nvPicPr>
+        <p:blipFill>
+          <a:blip r:embed="rId3"/>
+          <a:stretch>
+            <a:fillRect/>
+          </a:stretch>
+        </p:blipFill>
+        <p:spPr>
+          <a:xfrm>
+            <a:off x="390642" y="2277173"/>
+            <a:ext cx="5622816" cy="4204672"/>
+          </a:xfrm>
+          <a:prstGeom prst="rect">
+            <a:avLst/>
+          </a:prstGeom>
+        </p:spPr>
+      </p:pic>
+      <p:sp>
+        <p:nvSpPr>
+          <p:cNvPr id="10" name="TextBox 9">
+            <a:extLst>
+              <a:ext uri="{FF2B5EF4-FFF2-40B4-BE49-F238E27FC236}">
+                <a16:creationId xmlns:a16="http://schemas.microsoft.com/office/drawing/2014/main" id="{E60A02AE-5C62-A244-B4CF-83E094FE7B32}"/>
+              </a:ext>
+            </a:extLst>
+          </p:cNvPr>
+          <p:cNvSpPr txBox="1"/>
+          <p:nvPr/>
+        </p:nvSpPr>
+        <p:spPr>
+          <a:xfrm>
+            <a:off x="6461016" y="1434991"/>
+            <a:ext cx="5505012" cy="646331"/>
+          </a:xfrm>
+          <a:prstGeom prst="rect">
+            <a:avLst/>
+          </a:prstGeom>
+          <a:noFill/>
+        </p:spPr>
+        <p:txBody>
+          <a:bodyPr wrap="square" rtlCol="0">
+            <a:spAutoFit/>
+          </a:bodyPr>
+          <a:lstStyle/>
+          <a:p>
+            <a:r>
+              <a:rPr lang="en-US" i="1" u="sng" dirty="0"/>
+              <a:t>Some intermediate sequences exhibit rippling behavior</a:t>
+            </a:r>
+          </a:p>
+          <a:p>
+            <a:endParaRPr lang="en-US" dirty="0"/>
+          </a:p>
+        </p:txBody>
+      </p:sp>
+      <p:sp>
+        <p:nvSpPr>
+          <p:cNvPr id="11" name="TextBox 10">
+            <a:extLst>
+              <a:ext uri="{FF2B5EF4-FFF2-40B4-BE49-F238E27FC236}">
+                <a16:creationId xmlns:a16="http://schemas.microsoft.com/office/drawing/2014/main" id="{28F3613C-2FC4-2C49-ABB5-2BC10DD3D495}"/>
+              </a:ext>
+            </a:extLst>
+          </p:cNvPr>
+          <p:cNvSpPr txBox="1"/>
+          <p:nvPr/>
+        </p:nvSpPr>
+        <p:spPr>
+          <a:xfrm>
+            <a:off x="673116" y="1482917"/>
+            <a:ext cx="5622816" cy="646331"/>
+          </a:xfrm>
+          <a:prstGeom prst="rect">
+            <a:avLst/>
+          </a:prstGeom>
+          <a:noFill/>
+        </p:spPr>
+        <p:txBody>
+          <a:bodyPr wrap="square" rtlCol="0">
+            <a:spAutoFit/>
+          </a:bodyPr>
+          <a:lstStyle/>
+          <a:p>
+            <a:r>
+              <a:rPr lang="en-US" dirty="0"/>
+              <a:t>Random sequences exhibit oscillations of decreasing size </a:t>
+            </a:r>
+          </a:p>
+          <a:p>
+            <a:endParaRPr lang="en-US" dirty="0"/>
+          </a:p>
+        </p:txBody>
+      </p:sp>
+      <p:sp>
+        <p:nvSpPr>
+          <p:cNvPr id="12" name="TextBox 11">
+            <a:extLst>
+              <a:ext uri="{FF2B5EF4-FFF2-40B4-BE49-F238E27FC236}">
+                <a16:creationId xmlns:a16="http://schemas.microsoft.com/office/drawing/2014/main" id="{616A1A31-E63B-EF4C-8C7A-79F7C777859B}"/>
+              </a:ext>
+            </a:extLst>
+          </p:cNvPr>
+          <p:cNvSpPr txBox="1"/>
+          <p:nvPr/>
+        </p:nvSpPr>
+        <p:spPr>
+          <a:xfrm>
+            <a:off x="2649295" y="6430857"/>
+            <a:ext cx="1671145" cy="369332"/>
+          </a:xfrm>
+          <a:prstGeom prst="rect">
+            <a:avLst/>
+          </a:prstGeom>
+          <a:noFill/>
+        </p:spPr>
+        <p:txBody>
+          <a:bodyPr wrap="square" rtlCol="0">
+            <a:spAutoFit/>
+          </a:bodyPr>
+          <a:lstStyle/>
+          <a:p>
+            <a:r>
+              <a:rPr lang="en-US" b="1" dirty="0"/>
+              <a:t>Random</a:t>
+            </a:r>
+          </a:p>
+        </p:txBody>
+      </p:sp>
+      <p:sp>
+        <p:nvSpPr>
+          <p:cNvPr id="13" name="TextBox 12">
+            <a:extLst>
+              <a:ext uri="{FF2B5EF4-FFF2-40B4-BE49-F238E27FC236}">
+                <a16:creationId xmlns:a16="http://schemas.microsoft.com/office/drawing/2014/main" id="{191E5381-D5F4-0A48-A182-8CFFBDD394BA}"/>
+              </a:ext>
+            </a:extLst>
+          </p:cNvPr>
+          <p:cNvSpPr txBox="1"/>
+          <p:nvPr/>
+        </p:nvSpPr>
+        <p:spPr>
+          <a:xfrm>
+            <a:off x="8694402" y="6430857"/>
+            <a:ext cx="1671145" cy="369332"/>
+          </a:xfrm>
+          <a:prstGeom prst="rect">
+            <a:avLst/>
+          </a:prstGeom>
+          <a:noFill/>
+        </p:spPr>
+        <p:txBody>
+          <a:bodyPr wrap="square" rtlCol="0">
+            <a:spAutoFit/>
+          </a:bodyPr>
+          <a:lstStyle/>
+          <a:p>
+            <a:r>
+              <a:rPr lang="en-US" b="1" dirty="0"/>
+              <a:t>Intermediate</a:t>
+            </a:r>
+          </a:p>
+        </p:txBody>
+      </p:sp>
+    </p:spTree>
+    <p:extLst>
+      <p:ext uri="{BB962C8B-B14F-4D97-AF65-F5344CB8AC3E}">
+        <p14:creationId xmlns:p14="http://schemas.microsoft.com/office/powerpoint/2010/main" val="618127275"/>
+      </p:ext>
+    </p:extLst>
+  </p:cSld>
+  <p:clrMapOvr>
+    <a:masterClrMapping/>
+  </p:clrMapOvr>
+</p:sld>
+</file>
+
+<file path=ppt/slides/slide25.xml><?xml version="1.0" encoding="utf-8"?>
+<p:sld xmlns:a="http://schemas.openxmlformats.org/drawingml/2006/main" xmlns:r="http://schemas.openxmlformats.org/officeDocument/2006/relationships" xmlns:p="http://schemas.openxmlformats.org/presentationml/2006/main">
+  <p:cSld>
+    <p:spTree>
+      <p:nvGrpSpPr>
+        <p:cNvPr id="1" name=""/>
+        <p:cNvGrpSpPr/>
+        <p:nvPr/>
+      </p:nvGrpSpPr>
+      <p:grpSpPr>
+        <a:xfrm>
+          <a:off x="0" y="0"/>
+          <a:ext cx="0" cy="0"/>
+          <a:chOff x="0" y="0"/>
+          <a:chExt cx="0" cy="0"/>
+        </a:xfrm>
+      </p:grpSpPr>
+      <p:pic>
+        <p:nvPicPr>
+          <p:cNvPr id="6" name="Content Placeholder 5" descr="A screenshot of a cell phone&#10;&#10;Description automatically generated">
+            <a:extLst>
+              <a:ext uri="{FF2B5EF4-FFF2-40B4-BE49-F238E27FC236}">
+                <a16:creationId xmlns:a16="http://schemas.microsoft.com/office/drawing/2014/main" id="{C0745016-9071-4D44-84EE-7DEA25AABC8C}"/>
+              </a:ext>
+            </a:extLst>
+          </p:cNvPr>
+          <p:cNvPicPr>
+            <a:picLocks noGrp="1" noChangeAspect="1"/>
+          </p:cNvPicPr>
+          <p:nvPr>
+            <p:ph idx="1"/>
+          </p:nvPr>
+        </p:nvPicPr>
+        <p:blipFill>
+          <a:blip r:embed="rId2"/>
+          <a:stretch>
+            <a:fillRect/>
+          </a:stretch>
+        </p:blipFill>
+        <p:spPr>
+          <a:xfrm>
+            <a:off x="6775" y="1526080"/>
+            <a:ext cx="6394025" cy="4809420"/>
+          </a:xfrm>
+        </p:spPr>
+      </p:pic>
+      <p:sp>
+        <p:nvSpPr>
+          <p:cNvPr id="4" name="Title 1">
+            <a:extLst>
+              <a:ext uri="{FF2B5EF4-FFF2-40B4-BE49-F238E27FC236}">
+                <a16:creationId xmlns:a16="http://schemas.microsoft.com/office/drawing/2014/main" id="{B117003B-26D1-9C46-B268-31FCB7679975}"/>
+              </a:ext>
+            </a:extLst>
+          </p:cNvPr>
+          <p:cNvSpPr txBox="1">
+            <a:spLocks/>
+          </p:cNvSpPr>
+          <p:nvPr/>
+        </p:nvSpPr>
+        <p:spPr>
+          <a:xfrm>
+            <a:off x="990600" y="517525"/>
+            <a:ext cx="10515600" cy="1325563"/>
+          </a:xfrm>
+          <a:prstGeom prst="rect">
+            <a:avLst/>
+          </a:prstGeom>
+        </p:spPr>
+        <p:txBody>
+          <a:bodyPr vert="horz" lIns="91440" tIns="45720" rIns="91440" bIns="45720" rtlCol="0" anchor="ctr">
+            <a:normAutofit/>
+          </a:bodyPr>
+          <a:lstStyle>
+            <a:lvl1pPr algn="l" defTabSz="914400" rtl="0" eaLnBrk="1" latinLnBrk="0" hangingPunct="1">
+              <a:lnSpc>
+                <a:spcPct val="90000"/>
+              </a:lnSpc>
+              <a:spcBef>
+                <a:spcPct val="0"/>
+              </a:spcBef>
+              <a:buNone/>
+              <a:defRPr sz="4400" kern="1200">
+                <a:solidFill>
+                  <a:schemeClr val="tx1"/>
+                </a:solidFill>
+                <a:latin typeface="+mj-lt"/>
+                <a:ea typeface="+mj-ea"/>
+                <a:cs typeface="+mj-cs"/>
+              </a:defRPr>
+            </a:lvl1pPr>
+          </a:lstStyle>
+          <a:p>
+            <a:r>
+              <a:rPr lang="en-US" dirty="0"/>
+              <a:t>Model behavior of unnormalized random(X)</a:t>
+            </a:r>
+          </a:p>
+        </p:txBody>
+      </p:sp>
+      <p:pic>
+        <p:nvPicPr>
+          <p:cNvPr id="8" name="Picture 7" descr="A close up of a map&#10;&#10;Description automatically generated">
+            <a:extLst>
+              <a:ext uri="{FF2B5EF4-FFF2-40B4-BE49-F238E27FC236}">
+                <a16:creationId xmlns:a16="http://schemas.microsoft.com/office/drawing/2014/main" id="{DC2974EF-02FF-4248-ABEE-31497BD4BB66}"/>
+              </a:ext>
+            </a:extLst>
+          </p:cNvPr>
+          <p:cNvPicPr>
+            <a:picLocks noChangeAspect="1"/>
+          </p:cNvPicPr>
+          <p:nvPr/>
+        </p:nvPicPr>
+        <p:blipFill>
+          <a:blip r:embed="rId3"/>
+          <a:stretch>
+            <a:fillRect/>
+          </a:stretch>
+        </p:blipFill>
+        <p:spPr>
+          <a:xfrm>
+            <a:off x="5879277" y="1625122"/>
+            <a:ext cx="6148447" cy="4611335"/>
+          </a:xfrm>
+          <a:prstGeom prst="rect">
+            <a:avLst/>
+          </a:prstGeom>
+        </p:spPr>
+      </p:pic>
+      <p:sp>
+        <p:nvSpPr>
+          <p:cNvPr id="9" name="TextBox 8">
+            <a:extLst>
+              <a:ext uri="{FF2B5EF4-FFF2-40B4-BE49-F238E27FC236}">
+                <a16:creationId xmlns:a16="http://schemas.microsoft.com/office/drawing/2014/main" id="{8720ABE8-C4DA-ED47-ACF6-3458B65A6C34}"/>
+              </a:ext>
+            </a:extLst>
+          </p:cNvPr>
+          <p:cNvSpPr txBox="1"/>
+          <p:nvPr/>
+        </p:nvSpPr>
+        <p:spPr>
+          <a:xfrm>
+            <a:off x="2368214" y="6324362"/>
+            <a:ext cx="1671145" cy="369332"/>
+          </a:xfrm>
+          <a:prstGeom prst="rect">
+            <a:avLst/>
+          </a:prstGeom>
+          <a:noFill/>
+        </p:spPr>
+        <p:txBody>
+          <a:bodyPr wrap="square" rtlCol="0">
+            <a:spAutoFit/>
+          </a:bodyPr>
+          <a:lstStyle/>
+          <a:p>
+            <a:r>
+              <a:rPr lang="en-US" b="1" dirty="0"/>
+              <a:t>Deterministic</a:t>
+            </a:r>
+          </a:p>
+        </p:txBody>
+      </p:sp>
+      <p:sp>
+        <p:nvSpPr>
+          <p:cNvPr id="10" name="TextBox 9">
+            <a:extLst>
+              <a:ext uri="{FF2B5EF4-FFF2-40B4-BE49-F238E27FC236}">
+                <a16:creationId xmlns:a16="http://schemas.microsoft.com/office/drawing/2014/main" id="{1181F0ED-340D-3742-887A-71541A992182}"/>
+              </a:ext>
+            </a:extLst>
+          </p:cNvPr>
+          <p:cNvSpPr txBox="1"/>
+          <p:nvPr/>
+        </p:nvSpPr>
+        <p:spPr>
+          <a:xfrm>
+            <a:off x="8647106" y="6335499"/>
+            <a:ext cx="1671145" cy="369332"/>
+          </a:xfrm>
+          <a:prstGeom prst="rect">
+            <a:avLst/>
+          </a:prstGeom>
+          <a:noFill/>
+        </p:spPr>
+        <p:txBody>
+          <a:bodyPr wrap="square" rtlCol="0">
+            <a:spAutoFit/>
+          </a:bodyPr>
+          <a:lstStyle/>
+          <a:p>
+            <a:r>
+              <a:rPr lang="en-US" b="1" dirty="0"/>
+              <a:t>Violation</a:t>
+            </a:r>
+          </a:p>
+        </p:txBody>
+      </p:sp>
+    </p:spTree>
+    <p:extLst>
+      <p:ext uri="{BB962C8B-B14F-4D97-AF65-F5344CB8AC3E}">
+        <p14:creationId xmlns:p14="http://schemas.microsoft.com/office/powerpoint/2010/main" val="3084998267"/>
+      </p:ext>
+    </p:extLst>
+  </p:cSld>
+  <p:clrMapOvr>
+    <a:masterClrMapping/>
+  </p:clrMapOvr>
+</p:sld>
+</file>
+
+<file path=ppt/slides/slide26.xml><?xml version="1.0" encoding="utf-8"?>
+<p:sld xmlns:a="http://schemas.openxmlformats.org/drawingml/2006/main" xmlns:r="http://schemas.openxmlformats.org/officeDocument/2006/relationships" xmlns:p="http://schemas.openxmlformats.org/presentationml/2006/main">
+  <p:cSld>
+    <p:spTree>
+      <p:nvGrpSpPr>
+        <p:cNvPr id="1" name=""/>
+        <p:cNvGrpSpPr/>
+        <p:nvPr/>
+      </p:nvGrpSpPr>
+      <p:grpSpPr>
+        <a:xfrm>
+          <a:off x="0" y="0"/>
+          <a:ext cx="0" cy="0"/>
+          <a:chOff x="0" y="0"/>
+          <a:chExt cx="0" cy="0"/>
+        </a:xfrm>
+      </p:grpSpPr>
+      <p:pic>
+        <p:nvPicPr>
+          <p:cNvPr id="10" name="Picture 9" descr="A close up of a map&#10;&#10;Description automatically generated">
+            <a:extLst>
+              <a:ext uri="{FF2B5EF4-FFF2-40B4-BE49-F238E27FC236}">
+                <a16:creationId xmlns:a16="http://schemas.microsoft.com/office/drawing/2014/main" id="{C3C27E99-5D50-A74D-AE39-1CAE65FD39B9}"/>
+              </a:ext>
+            </a:extLst>
+          </p:cNvPr>
+          <p:cNvPicPr>
+            <a:picLocks noChangeAspect="1"/>
+          </p:cNvPicPr>
+          <p:nvPr/>
+        </p:nvPicPr>
+        <p:blipFill>
+          <a:blip r:embed="rId2"/>
+          <a:stretch>
+            <a:fillRect/>
+          </a:stretch>
+        </p:blipFill>
+        <p:spPr>
+          <a:xfrm>
+            <a:off x="251373" y="1907629"/>
+            <a:ext cx="6285287" cy="4523227"/>
+          </a:xfrm>
+          <a:prstGeom prst="rect">
+            <a:avLst/>
+          </a:prstGeom>
+        </p:spPr>
+      </p:pic>
+      <p:sp>
+        <p:nvSpPr>
+          <p:cNvPr id="4" name="Title 1">
+            <a:extLst>
+              <a:ext uri="{FF2B5EF4-FFF2-40B4-BE49-F238E27FC236}">
+                <a16:creationId xmlns:a16="http://schemas.microsoft.com/office/drawing/2014/main" id="{B117003B-26D1-9C46-B268-31FCB7679975}"/>
+              </a:ext>
+            </a:extLst>
+          </p:cNvPr>
+          <p:cNvSpPr txBox="1">
+            <a:spLocks/>
+          </p:cNvSpPr>
+          <p:nvPr/>
+        </p:nvSpPr>
+        <p:spPr>
+          <a:xfrm>
+            <a:off x="990600" y="517525"/>
+            <a:ext cx="10515600" cy="1325563"/>
+          </a:xfrm>
+          <a:prstGeom prst="rect">
+            <a:avLst/>
+          </a:prstGeom>
+        </p:spPr>
+        <p:txBody>
+          <a:bodyPr vert="horz" lIns="91440" tIns="45720" rIns="91440" bIns="45720" rtlCol="0" anchor="ctr">
+            <a:normAutofit/>
+          </a:bodyPr>
+          <a:lstStyle>
+            <a:lvl1pPr algn="l" defTabSz="914400" rtl="0" eaLnBrk="1" latinLnBrk="0" hangingPunct="1">
+              <a:lnSpc>
+                <a:spcPct val="90000"/>
+              </a:lnSpc>
+              <a:spcBef>
+                <a:spcPct val="0"/>
+              </a:spcBef>
+              <a:buNone/>
+              <a:defRPr sz="4400" kern="1200">
+                <a:solidFill>
+                  <a:schemeClr val="tx1"/>
+                </a:solidFill>
+                <a:latin typeface="+mj-lt"/>
+                <a:ea typeface="+mj-ea"/>
+                <a:cs typeface="+mj-cs"/>
+              </a:defRPr>
+            </a:lvl1pPr>
+          </a:lstStyle>
+          <a:p>
+            <a:r>
+              <a:rPr lang="en-US" dirty="0"/>
+              <a:t>Model behavior of unnormalized random(X)</a:t>
+            </a:r>
+          </a:p>
+        </p:txBody>
+      </p:sp>
+      <p:pic>
+        <p:nvPicPr>
+          <p:cNvPr id="7" name="Picture 6" descr="A close up of a map&#10;&#10;Description automatically generated">
+            <a:extLst>
+              <a:ext uri="{FF2B5EF4-FFF2-40B4-BE49-F238E27FC236}">
+                <a16:creationId xmlns:a16="http://schemas.microsoft.com/office/drawing/2014/main" id="{DB1493BB-7F41-8142-A60C-0E4572AAA785}"/>
+              </a:ext>
+            </a:extLst>
+          </p:cNvPr>
+          <p:cNvPicPr>
+            <a:picLocks noChangeAspect="1"/>
+          </p:cNvPicPr>
+          <p:nvPr/>
+        </p:nvPicPr>
+        <p:blipFill>
+          <a:blip r:embed="rId3"/>
+          <a:stretch>
+            <a:fillRect/>
+          </a:stretch>
+        </p:blipFill>
+        <p:spPr>
+          <a:xfrm>
+            <a:off x="5864775" y="1986455"/>
+            <a:ext cx="6327225" cy="4354020"/>
+          </a:xfrm>
+          <a:prstGeom prst="rect">
+            <a:avLst/>
+          </a:prstGeom>
+        </p:spPr>
+      </p:pic>
+      <p:sp>
+        <p:nvSpPr>
+          <p:cNvPr id="11" name="TextBox 10">
+            <a:extLst>
+              <a:ext uri="{FF2B5EF4-FFF2-40B4-BE49-F238E27FC236}">
+                <a16:creationId xmlns:a16="http://schemas.microsoft.com/office/drawing/2014/main" id="{14ED2451-822E-BF47-A681-2C04A78FEC35}"/>
+              </a:ext>
+            </a:extLst>
+          </p:cNvPr>
+          <p:cNvSpPr txBox="1"/>
+          <p:nvPr/>
+        </p:nvSpPr>
+        <p:spPr>
+          <a:xfrm>
+            <a:off x="2649295" y="6430857"/>
+            <a:ext cx="1671145" cy="369332"/>
+          </a:xfrm>
+          <a:prstGeom prst="rect">
+            <a:avLst/>
+          </a:prstGeom>
+          <a:noFill/>
+        </p:spPr>
+        <p:txBody>
+          <a:bodyPr wrap="square" rtlCol="0">
+            <a:spAutoFit/>
+          </a:bodyPr>
+          <a:lstStyle/>
+          <a:p>
+            <a:r>
+              <a:rPr lang="en-US" b="1" dirty="0"/>
+              <a:t>Random</a:t>
+            </a:r>
+          </a:p>
+        </p:txBody>
+      </p:sp>
+      <p:sp>
+        <p:nvSpPr>
+          <p:cNvPr id="12" name="TextBox 11">
+            <a:extLst>
+              <a:ext uri="{FF2B5EF4-FFF2-40B4-BE49-F238E27FC236}">
+                <a16:creationId xmlns:a16="http://schemas.microsoft.com/office/drawing/2014/main" id="{967A945A-601F-C24C-B7C7-A9DC58C33701}"/>
+              </a:ext>
+            </a:extLst>
+          </p:cNvPr>
+          <p:cNvSpPr txBox="1"/>
+          <p:nvPr/>
+        </p:nvSpPr>
+        <p:spPr>
+          <a:xfrm>
+            <a:off x="8694402" y="6430857"/>
+            <a:ext cx="1671145" cy="369332"/>
+          </a:xfrm>
+          <a:prstGeom prst="rect">
+            <a:avLst/>
+          </a:prstGeom>
+          <a:noFill/>
+        </p:spPr>
+        <p:txBody>
+          <a:bodyPr wrap="square" rtlCol="0">
+            <a:spAutoFit/>
+          </a:bodyPr>
+          <a:lstStyle/>
+          <a:p>
+            <a:r>
+              <a:rPr lang="en-US" b="1" dirty="0"/>
+              <a:t>Intermediate</a:t>
+            </a:r>
+          </a:p>
+        </p:txBody>
+      </p:sp>
+    </p:spTree>
+    <p:extLst>
+      <p:ext uri="{BB962C8B-B14F-4D97-AF65-F5344CB8AC3E}">
+        <p14:creationId xmlns:p14="http://schemas.microsoft.com/office/powerpoint/2010/main" val="2865950212"/>
+      </p:ext>
+    </p:extLst>
+  </p:cSld>
+  <p:clrMapOvr>
+    <a:masterClrMapping/>
+  </p:clrMapOvr>
+</p:sld>
+</file>
+
+<file path=ppt/slides/slide27.xml><?xml version="1.0" encoding="utf-8"?>
+<p:sld xmlns:a="http://schemas.openxmlformats.org/drawingml/2006/main" xmlns:r="http://schemas.openxmlformats.org/officeDocument/2006/relationships" xmlns:p="http://schemas.openxmlformats.org/presentationml/2006/main">
+  <p:cSld>
+    <p:spTree>
+      <p:nvGrpSpPr>
+        <p:cNvPr id="1" name=""/>
+        <p:cNvGrpSpPr/>
+        <p:nvPr/>
+      </p:nvGrpSpPr>
+      <p:grpSpPr>
+        <a:xfrm>
+          <a:off x="0" y="0"/>
+          <a:ext cx="0" cy="0"/>
+          <a:chOff x="0" y="0"/>
+          <a:chExt cx="0" cy="0"/>
+        </a:xfrm>
+      </p:grpSpPr>
+      <p:pic>
+        <p:nvPicPr>
+          <p:cNvPr id="6" name="Picture 5" descr="A screenshot of a cell phone&#10;&#10;Description automatically generated">
+            <a:extLst>
+              <a:ext uri="{FF2B5EF4-FFF2-40B4-BE49-F238E27FC236}">
+                <a16:creationId xmlns:a16="http://schemas.microsoft.com/office/drawing/2014/main" id="{39EE3063-1AB8-0A49-B703-F86938E40C60}"/>
+              </a:ext>
+            </a:extLst>
+          </p:cNvPr>
+          <p:cNvPicPr>
+            <a:picLocks noChangeAspect="1"/>
+          </p:cNvPicPr>
+          <p:nvPr/>
+        </p:nvPicPr>
+        <p:blipFill>
+          <a:blip r:embed="rId2"/>
+          <a:stretch>
+            <a:fillRect/>
+          </a:stretch>
+        </p:blipFill>
+        <p:spPr>
+          <a:xfrm>
+            <a:off x="2187925" y="4892959"/>
+            <a:ext cx="7816149" cy="2046802"/>
+          </a:xfrm>
+          <a:prstGeom prst="rect">
+            <a:avLst/>
+          </a:prstGeom>
+        </p:spPr>
+      </p:pic>
+      <mc:AlternateContent xmlns:mc="http://schemas.openxmlformats.org/markup-compatibility/2006">
+        <mc:Choice xmlns:a14="http://schemas.microsoft.com/office/drawing/2010/main" Requires="a14">
           <p:sp>
             <p:nvSpPr>
               <p:cNvPr id="2" name="Title 1">
@@ -5917,7 +6864,12 @@
                 <p:ph type="title"/>
               </p:nvPr>
             </p:nvSpPr>
-            <p:spPr/>
+            <p:spPr>
+              <a:xfrm>
+                <a:off x="824948" y="0"/>
+                <a:ext cx="10515600" cy="1325563"/>
+              </a:xfrm>
+            </p:spPr>
             <p:txBody>
               <a:bodyPr>
                 <a:normAutofit/>
@@ -5972,7 +6924,7 @@
             </p:txBody>
           </p:sp>
         </mc:Choice>
-        <mc:Fallback xmlns="">
+        <mc:Fallback>
           <p:sp>
             <p:nvSpPr>
               <p:cNvPr id="2" name="Title 1">
@@ -5990,8 +6942,12 @@
               </p:nvPr>
             </p:nvSpPr>
             <p:spPr>
+              <a:xfrm>
+                <a:off x="824948" y="0"/>
+                <a:ext cx="10515600" cy="1325563"/>
+              </a:xfrm>
               <a:blipFill>
-                <a:blip r:embed="rId2"/>
+                <a:blip r:embed="rId3"/>
                 <a:stretch>
                   <a:fillRect l="-1568"/>
                 </a:stretch>
@@ -6029,14 +6985,14 @@
           </p:nvPr>
         </p:nvPicPr>
         <p:blipFill>
-          <a:blip r:embed="rId3"/>
+          <a:blip r:embed="rId4"/>
           <a:stretch>
             <a:fillRect/>
           </a:stretch>
         </p:blipFill>
         <p:spPr>
           <a:xfrm>
-            <a:off x="838200" y="1755647"/>
+            <a:off x="864704" y="941640"/>
             <a:ext cx="4935983" cy="3701987"/>
           </a:xfrm>
         </p:spPr>
@@ -6056,14 +7012,14 @@
           <p:nvPr/>
         </p:nvPicPr>
         <p:blipFill>
-          <a:blip r:embed="rId4"/>
+          <a:blip r:embed="rId5"/>
           <a:stretch>
             <a:fillRect/>
           </a:stretch>
         </p:blipFill>
         <p:spPr>
           <a:xfrm>
-            <a:off x="6304025" y="1755647"/>
+            <a:off x="6317277" y="898969"/>
             <a:ext cx="5049775" cy="3787331"/>
           </a:xfrm>
           <a:prstGeom prst="rect">
@@ -6071,6 +7027,504 @@
           </a:prstGeom>
         </p:spPr>
       </p:pic>
+      <mc:AlternateContent xmlns:mc="http://schemas.openxmlformats.org/markup-compatibility/2006">
+        <mc:Choice xmlns:a14="http://schemas.microsoft.com/office/drawing/2010/main" Requires="a14">
+          <p:sp>
+            <p:nvSpPr>
+              <p:cNvPr id="8" name="TextBox 7">
+                <a:extLst>
+                  <a:ext uri="{FF2B5EF4-FFF2-40B4-BE49-F238E27FC236}">
+                    <a16:creationId xmlns:a16="http://schemas.microsoft.com/office/drawing/2014/main" id="{F90FDA14-CBB5-EB4B-804B-A7445C759134}"/>
+                  </a:ext>
+                </a:extLst>
+              </p:cNvPr>
+              <p:cNvSpPr txBox="1"/>
+              <p:nvPr/>
+            </p:nvSpPr>
+            <p:spPr>
+              <a:xfrm>
+                <a:off x="646386" y="6121313"/>
+                <a:ext cx="1714765" cy="369332"/>
+              </a:xfrm>
+              <a:prstGeom prst="rect">
+                <a:avLst/>
+              </a:prstGeom>
+              <a:noFill/>
+            </p:spPr>
+            <p:txBody>
+              <a:bodyPr wrap="none" rtlCol="0">
+                <a:spAutoFit/>
+              </a:bodyPr>
+              <a:lstStyle/>
+              <a:p>
+                <a14:m>
+                  <m:oMath xmlns:m="http://schemas.openxmlformats.org/officeDocument/2006/math">
+                    <m:r>
+                      <m:rPr>
+                        <m:sty m:val="p"/>
+                      </m:rPr>
+                      <a:rPr lang="en-US">
+                        <a:latin typeface="Cambria Math" panose="02040503050406030204" pitchFamily="18" charset="0"/>
+                      </a:rPr>
+                      <m:t>Δ</m:t>
+                    </m:r>
+                    <m:r>
+                      <a:rPr lang="en-US" i="1">
+                        <a:latin typeface="Cambria Math" panose="02040503050406030204" pitchFamily="18" charset="0"/>
+                      </a:rPr>
+                      <m:t>𝑟𝑎𝑛𝑑𝑜𝑚</m:t>
+                    </m:r>
+                    <m:d>
+                      <m:dPr>
+                        <m:ctrlPr>
+                          <a:rPr lang="en-US" i="1">
+                            <a:latin typeface="Cambria Math" panose="02040503050406030204" pitchFamily="18" charset="0"/>
+                          </a:rPr>
+                        </m:ctrlPr>
+                      </m:dPr>
+                      <m:e>
+                        <m:r>
+                          <a:rPr lang="en-US" i="1">
+                            <a:latin typeface="Cambria Math" panose="02040503050406030204" pitchFamily="18" charset="0"/>
+                          </a:rPr>
+                          <m:t>𝑋</m:t>
+                        </m:r>
+                      </m:e>
+                    </m:d>
+                  </m:oMath>
+                </a14:m>
+                <a:r>
+                  <a:rPr lang="en-US" dirty="0"/>
+                  <a:t> = </a:t>
+                </a:r>
+              </a:p>
+            </p:txBody>
+          </p:sp>
+        </mc:Choice>
+        <mc:Fallback>
+          <p:sp>
+            <p:nvSpPr>
+              <p:cNvPr id="8" name="TextBox 7">
+                <a:extLst>
+                  <a:ext uri="{FF2B5EF4-FFF2-40B4-BE49-F238E27FC236}">
+                    <a16:creationId xmlns:a16="http://schemas.microsoft.com/office/drawing/2014/main" id="{F90FDA14-CBB5-EB4B-804B-A7445C759134}"/>
+                  </a:ext>
+                </a:extLst>
+              </p:cNvPr>
+              <p:cNvSpPr txBox="1">
+                <a:spLocks noRot="1" noChangeAspect="1" noMove="1" noResize="1" noEditPoints="1" noAdjustHandles="1" noChangeArrowheads="1" noChangeShapeType="1" noTextEdit="1"/>
+              </p:cNvSpPr>
+              <p:nvPr/>
+            </p:nvSpPr>
+            <p:spPr>
+              <a:xfrm>
+                <a:off x="646386" y="6121313"/>
+                <a:ext cx="1714765" cy="369332"/>
+              </a:xfrm>
+              <a:prstGeom prst="rect">
+                <a:avLst/>
+              </a:prstGeom>
+              <a:blipFill>
+                <a:blip r:embed="rId6"/>
+                <a:stretch>
+                  <a:fillRect t="-3333" r="-1471" b="-23333"/>
+                </a:stretch>
+              </a:blipFill>
+            </p:spPr>
+            <p:txBody>
+              <a:bodyPr/>
+              <a:lstStyle/>
+              <a:p>
+                <a:r>
+                  <a:rPr lang="en-US">
+                    <a:noFill/>
+                  </a:rPr>
+                  <a:t> </a:t>
+                </a:r>
+              </a:p>
+            </p:txBody>
+          </p:sp>
+        </mc:Fallback>
+      </mc:AlternateContent>
+      <mc:AlternateContent xmlns:mc="http://schemas.openxmlformats.org/markup-compatibility/2006">
+        <mc:Choice xmlns:a14="http://schemas.microsoft.com/office/drawing/2010/main" Requires="a14">
+          <p:sp>
+            <p:nvSpPr>
+              <p:cNvPr id="9" name="TextBox 8">
+                <a:extLst>
+                  <a:ext uri="{FF2B5EF4-FFF2-40B4-BE49-F238E27FC236}">
+                    <a16:creationId xmlns:a16="http://schemas.microsoft.com/office/drawing/2014/main" id="{3BDCDBB7-FA30-DF4C-9ACF-65E692E435AF}"/>
+                  </a:ext>
+                </a:extLst>
+              </p:cNvPr>
+              <p:cNvSpPr txBox="1"/>
+              <p:nvPr/>
+            </p:nvSpPr>
+            <p:spPr>
+              <a:xfrm>
+                <a:off x="413951" y="5833318"/>
+                <a:ext cx="1947200" cy="369332"/>
+              </a:xfrm>
+              <a:prstGeom prst="rect">
+                <a:avLst/>
+              </a:prstGeom>
+              <a:noFill/>
+            </p:spPr>
+            <p:txBody>
+              <a:bodyPr wrap="none" rtlCol="0">
+                <a:spAutoFit/>
+              </a:bodyPr>
+              <a:lstStyle/>
+              <a:p>
+                <a14:m>
+                  <m:oMath xmlns:m="http://schemas.openxmlformats.org/officeDocument/2006/math">
+                    <m:r>
+                      <m:rPr>
+                        <m:sty m:val="p"/>
+                      </m:rPr>
+                      <a:rPr lang="en-US">
+                        <a:latin typeface="Cambria Math" panose="02040503050406030204" pitchFamily="18" charset="0"/>
+                      </a:rPr>
+                      <m:t>Δ</m:t>
+                    </m:r>
+                    <m:r>
+                      <a:rPr lang="en-US" i="1">
+                        <a:latin typeface="Cambria Math" panose="02040503050406030204" pitchFamily="18" charset="0"/>
+                      </a:rPr>
+                      <m:t>𝑟𝑎𝑛𝑑𝑜𝑚</m:t>
+                    </m:r>
+                    <m:d>
+                      <m:dPr>
+                        <m:ctrlPr>
+                          <a:rPr lang="en-US" i="1">
+                            <a:latin typeface="Cambria Math" panose="02040503050406030204" pitchFamily="18" charset="0"/>
+                          </a:rPr>
+                        </m:ctrlPr>
+                      </m:dPr>
+                      <m:e>
+                        <m:r>
+                          <a:rPr lang="en-US" i="1">
+                            <a:latin typeface="Cambria Math" panose="02040503050406030204" pitchFamily="18" charset="0"/>
+                          </a:rPr>
+                          <m:t>𝑋</m:t>
+                        </m:r>
+                      </m:e>
+                    </m:d>
+                  </m:oMath>
+                </a14:m>
+                <a:r>
+                  <a:rPr lang="en-US" dirty="0"/>
+                  <a:t>^2 = </a:t>
+                </a:r>
+              </a:p>
+            </p:txBody>
+          </p:sp>
+        </mc:Choice>
+        <mc:Fallback>
+          <p:sp>
+            <p:nvSpPr>
+              <p:cNvPr id="9" name="TextBox 8">
+                <a:extLst>
+                  <a:ext uri="{FF2B5EF4-FFF2-40B4-BE49-F238E27FC236}">
+                    <a16:creationId xmlns:a16="http://schemas.microsoft.com/office/drawing/2014/main" id="{3BDCDBB7-FA30-DF4C-9ACF-65E692E435AF}"/>
+                  </a:ext>
+                </a:extLst>
+              </p:cNvPr>
+              <p:cNvSpPr txBox="1">
+                <a:spLocks noRot="1" noChangeAspect="1" noMove="1" noResize="1" noEditPoints="1" noAdjustHandles="1" noChangeArrowheads="1" noChangeShapeType="1" noTextEdit="1"/>
+              </p:cNvSpPr>
+              <p:nvPr/>
+            </p:nvSpPr>
+            <p:spPr>
+              <a:xfrm>
+                <a:off x="413951" y="5833318"/>
+                <a:ext cx="1947200" cy="369332"/>
+              </a:xfrm>
+              <a:prstGeom prst="rect">
+                <a:avLst/>
+              </a:prstGeom>
+              <a:blipFill>
+                <a:blip r:embed="rId7"/>
+                <a:stretch>
+                  <a:fillRect t="-6667" r="-1299" b="-26667"/>
+                </a:stretch>
+              </a:blipFill>
+            </p:spPr>
+            <p:txBody>
+              <a:bodyPr/>
+              <a:lstStyle/>
+              <a:p>
+                <a:r>
+                  <a:rPr lang="en-US">
+                    <a:noFill/>
+                  </a:rPr>
+                  <a:t> </a:t>
+                </a:r>
+              </a:p>
+            </p:txBody>
+          </p:sp>
+        </mc:Fallback>
+      </mc:AlternateContent>
+      <p:sp>
+        <p:nvSpPr>
+          <p:cNvPr id="10" name="Oval 9">
+            <a:extLst>
+              <a:ext uri="{FF2B5EF4-FFF2-40B4-BE49-F238E27FC236}">
+                <a16:creationId xmlns:a16="http://schemas.microsoft.com/office/drawing/2014/main" id="{2D2F7847-74AF-BD4C-A61F-DDA3217F1C4C}"/>
+              </a:ext>
+            </a:extLst>
+          </p:cNvPr>
+          <p:cNvSpPr/>
+          <p:nvPr/>
+        </p:nvSpPr>
+        <p:spPr>
+          <a:xfrm>
+            <a:off x="3689131" y="5842271"/>
+            <a:ext cx="1418897" cy="369332"/>
+          </a:xfrm>
+          <a:prstGeom prst="ellipse">
+            <a:avLst/>
+          </a:prstGeom>
+          <a:solidFill>
+            <a:srgbClr val="FFFF00">
+              <a:alpha val="37000"/>
+            </a:srgbClr>
+          </a:solidFill>
+          <a:ln>
+            <a:solidFill>
+              <a:srgbClr val="FFFF00"/>
+            </a:solidFill>
+          </a:ln>
+        </p:spPr>
+        <p:style>
+          <a:lnRef idx="2">
+            <a:schemeClr val="accent1">
+              <a:shade val="50000"/>
+            </a:schemeClr>
+          </a:lnRef>
+          <a:fillRef idx="1">
+            <a:schemeClr val="accent1"/>
+          </a:fillRef>
+          <a:effectRef idx="0">
+            <a:schemeClr val="accent1"/>
+          </a:effectRef>
+          <a:fontRef idx="minor">
+            <a:schemeClr val="lt1"/>
+          </a:fontRef>
+        </p:style>
+        <p:txBody>
+          <a:bodyPr rtlCol="0" anchor="ctr"/>
+          <a:lstStyle/>
+          <a:p>
+            <a:pPr algn="ctr"/>
+            <a:endParaRPr lang="en-US"/>
+          </a:p>
+        </p:txBody>
+      </p:sp>
+      <p:sp>
+        <p:nvSpPr>
+          <p:cNvPr id="11" name="Oval 10">
+            <a:extLst>
+              <a:ext uri="{FF2B5EF4-FFF2-40B4-BE49-F238E27FC236}">
+                <a16:creationId xmlns:a16="http://schemas.microsoft.com/office/drawing/2014/main" id="{6F9B2948-1928-4546-A052-C762A95B6E73}"/>
+              </a:ext>
+            </a:extLst>
+          </p:cNvPr>
+          <p:cNvSpPr/>
+          <p:nvPr/>
+        </p:nvSpPr>
+        <p:spPr>
+          <a:xfrm>
+            <a:off x="7688317" y="5833318"/>
+            <a:ext cx="1418897" cy="369332"/>
+          </a:xfrm>
+          <a:prstGeom prst="ellipse">
+            <a:avLst/>
+          </a:prstGeom>
+          <a:solidFill>
+            <a:srgbClr val="FFFF00">
+              <a:alpha val="37000"/>
+            </a:srgbClr>
+          </a:solidFill>
+          <a:ln>
+            <a:solidFill>
+              <a:srgbClr val="FFFF00"/>
+            </a:solidFill>
+          </a:ln>
+        </p:spPr>
+        <p:style>
+          <a:lnRef idx="2">
+            <a:schemeClr val="accent1">
+              <a:shade val="50000"/>
+            </a:schemeClr>
+          </a:lnRef>
+          <a:fillRef idx="1">
+            <a:schemeClr val="accent1"/>
+          </a:fillRef>
+          <a:effectRef idx="0">
+            <a:schemeClr val="accent1"/>
+          </a:effectRef>
+          <a:fontRef idx="minor">
+            <a:schemeClr val="lt1"/>
+          </a:fontRef>
+        </p:style>
+        <p:txBody>
+          <a:bodyPr rtlCol="0" anchor="ctr"/>
+          <a:lstStyle/>
+          <a:p>
+            <a:pPr algn="ctr"/>
+            <a:endParaRPr lang="en-US"/>
+          </a:p>
+        </p:txBody>
+      </p:sp>
+      <mc:AlternateContent xmlns:mc="http://schemas.openxmlformats.org/markup-compatibility/2006">
+        <mc:Choice xmlns:a14="http://schemas.microsoft.com/office/drawing/2010/main" Requires="a14">
+          <p:sp>
+            <p:nvSpPr>
+              <p:cNvPr id="12" name="TextBox 11">
+                <a:extLst>
+                  <a:ext uri="{FF2B5EF4-FFF2-40B4-BE49-F238E27FC236}">
+                    <a16:creationId xmlns:a16="http://schemas.microsoft.com/office/drawing/2014/main" id="{E04A4006-874C-014E-AB40-894BE9F4361A}"/>
+                  </a:ext>
+                </a:extLst>
+              </p:cNvPr>
+              <p:cNvSpPr txBox="1"/>
+              <p:nvPr/>
+            </p:nvSpPr>
+            <p:spPr>
+              <a:xfrm>
+                <a:off x="9270124" y="4862165"/>
+                <a:ext cx="2921876" cy="2031325"/>
+              </a:xfrm>
+              <a:prstGeom prst="rect">
+                <a:avLst/>
+              </a:prstGeom>
+              <a:noFill/>
+            </p:spPr>
+            <p:txBody>
+              <a:bodyPr wrap="square" rtlCol="0">
+                <a:spAutoFit/>
+              </a:bodyPr>
+              <a:lstStyle/>
+              <a:p>
+                <a:r>
+                  <a:rPr lang="en-US" dirty="0"/>
+                  <a:t>Higher disengagement for lower absolute values of </a:t>
+                </a:r>
+                <a14:m>
+                  <m:oMath xmlns:m="http://schemas.openxmlformats.org/officeDocument/2006/math">
+                    <m:r>
+                      <m:rPr>
+                        <m:sty m:val="p"/>
+                      </m:rPr>
+                      <a:rPr lang="en-US">
+                        <a:latin typeface="Cambria Math" panose="02040503050406030204" pitchFamily="18" charset="0"/>
+                      </a:rPr>
+                      <m:t>Δ</m:t>
+                    </m:r>
+                    <m:r>
+                      <a:rPr lang="en-US" i="1">
+                        <a:latin typeface="Cambria Math" panose="02040503050406030204" pitchFamily="18" charset="0"/>
+                      </a:rPr>
+                      <m:t>𝑟𝑎𝑛𝑑𝑜𝑚</m:t>
+                    </m:r>
+                    <m:d>
+                      <m:dPr>
+                        <m:ctrlPr>
+                          <a:rPr lang="en-US" i="1">
+                            <a:latin typeface="Cambria Math" panose="02040503050406030204" pitchFamily="18" charset="0"/>
+                          </a:rPr>
+                        </m:ctrlPr>
+                      </m:dPr>
+                      <m:e>
+                        <m:r>
+                          <a:rPr lang="en-US" i="1">
+                            <a:latin typeface="Cambria Math" panose="02040503050406030204" pitchFamily="18" charset="0"/>
+                          </a:rPr>
+                          <m:t>𝑋</m:t>
+                        </m:r>
+                      </m:e>
+                    </m:d>
+                  </m:oMath>
+                </a14:m>
+                <a:r>
+                  <a:rPr lang="en-US" dirty="0"/>
+                  <a:t> (does not check u-shape)</a:t>
+                </a:r>
+              </a:p>
+              <a:p>
+                <a:endParaRPr lang="en-US" dirty="0"/>
+              </a:p>
+              <a:p>
+                <a:r>
+                  <a:rPr lang="en-US" dirty="0"/>
+                  <a:t>However: </a:t>
+                </a:r>
+                <a:r>
+                  <a:rPr lang="en-US" dirty="0" err="1"/>
+                  <a:t>eventpos</a:t>
+                </a:r>
+                <a:r>
+                  <a:rPr lang="en-US" dirty="0"/>
+                  <a:t> </a:t>
+                </a:r>
+                <a:r>
+                  <a:rPr lang="en-US" dirty="0" err="1"/>
+                  <a:t>insign</a:t>
+                </a:r>
+                <a:r>
+                  <a:rPr lang="en-US" dirty="0"/>
+                  <a:t>. Due to high multicollinearity.</a:t>
+                </a:r>
+              </a:p>
+            </p:txBody>
+          </p:sp>
+        </mc:Choice>
+        <mc:Fallback>
+          <p:sp>
+            <p:nvSpPr>
+              <p:cNvPr id="12" name="TextBox 11">
+                <a:extLst>
+                  <a:ext uri="{FF2B5EF4-FFF2-40B4-BE49-F238E27FC236}">
+                    <a16:creationId xmlns:a16="http://schemas.microsoft.com/office/drawing/2014/main" id="{E04A4006-874C-014E-AB40-894BE9F4361A}"/>
+                  </a:ext>
+                </a:extLst>
+              </p:cNvPr>
+              <p:cNvSpPr txBox="1">
+                <a:spLocks noRot="1" noChangeAspect="1" noMove="1" noResize="1" noEditPoints="1" noAdjustHandles="1" noChangeArrowheads="1" noChangeShapeType="1" noTextEdit="1"/>
+              </p:cNvSpPr>
+              <p:nvPr/>
+            </p:nvSpPr>
+            <p:spPr>
+              <a:xfrm>
+                <a:off x="9270124" y="4862165"/>
+                <a:ext cx="2921876" cy="2031325"/>
+              </a:xfrm>
+              <a:prstGeom prst="rect">
+                <a:avLst/>
+              </a:prstGeom>
+              <a:blipFill>
+                <a:blip r:embed="rId8"/>
+                <a:stretch>
+                  <a:fillRect l="-1732" t="-1242" b="-3106"/>
+                </a:stretch>
+              </a:blipFill>
+            </p:spPr>
+            <p:txBody>
+              <a:bodyPr/>
+              <a:lstStyle/>
+              <a:p>
+                <a:r>
+                  <a:rPr lang="en-US">
+                    <a:noFill/>
+                  </a:rPr>
+                  <a:t> </a:t>
+                </a:r>
+              </a:p>
+            </p:txBody>
+          </p:sp>
+        </mc:Fallback>
+      </mc:AlternateContent>
     </p:spTree>
     <p:extLst>
       <p:ext uri="{BB962C8B-B14F-4D97-AF65-F5344CB8AC3E}">
@@ -6084,7 +7538,7 @@
 </p:sld>
 </file>
 
-<file path=ppt/slides/slide24.xml><?xml version="1.0" encoding="utf-8"?>
+<file path=ppt/slides/slide28.xml><?xml version="1.0" encoding="utf-8"?>
 <p:sld xmlns:a="http://schemas.openxmlformats.org/drawingml/2006/main" xmlns:r="http://schemas.openxmlformats.org/officeDocument/2006/relationships" xmlns:p="http://schemas.openxmlformats.org/presentationml/2006/main">
   <p:cSld>
     <p:spTree>
@@ -6101,8 +7555,8 @@
           <a:chExt cx="0" cy="0"/>
         </a:xfrm>
       </p:grpSpPr>
-      <mc:AlternateContent xmlns:mc="http://schemas.openxmlformats.org/markup-compatibility/2006" xmlns:a14="http://schemas.microsoft.com/office/drawing/2010/main">
-        <mc:Choice Requires="a14">
+      <mc:AlternateContent xmlns:mc="http://schemas.openxmlformats.org/markup-compatibility/2006">
+        <mc:Choice xmlns:a14="http://schemas.microsoft.com/office/drawing/2010/main" Requires="a14">
           <p:sp>
             <p:nvSpPr>
               <p:cNvPr id="2" name="Title 1">
@@ -6119,7 +7573,12 @@
                 <p:ph type="title"/>
               </p:nvPr>
             </p:nvSpPr>
-            <p:spPr/>
+            <p:spPr>
+              <a:xfrm>
+                <a:off x="838200" y="0"/>
+                <a:ext cx="10152378" cy="1251985"/>
+              </a:xfrm>
+            </p:spPr>
             <p:txBody>
               <a:bodyPr>
                 <a:normAutofit/>
@@ -6165,7 +7624,7 @@
             </p:txBody>
           </p:sp>
         </mc:Choice>
-        <mc:Fallback xmlns="">
+        <mc:Fallback>
           <p:sp>
             <p:nvSpPr>
               <p:cNvPr id="2" name="Title 1">
@@ -6183,10 +7642,14 @@
               </p:nvPr>
             </p:nvSpPr>
             <p:spPr>
+              <a:xfrm>
+                <a:off x="838200" y="0"/>
+                <a:ext cx="10152378" cy="1251985"/>
+              </a:xfrm>
               <a:blipFill>
                 <a:blip r:embed="rId2"/>
                 <a:stretch>
-                  <a:fillRect l="-1568"/>
+                  <a:fillRect l="-1625"/>
                 </a:stretch>
               </a:blipFill>
             </p:spPr>
@@ -6207,19 +7670,17 @@
       </mc:AlternateContent>
       <p:pic>
         <p:nvPicPr>
-          <p:cNvPr id="5" name="Content Placeholder 4" descr="A close up of a map&#10;&#10;Description automatically generated">
-            <a:extLst>
-              <a:ext uri="{FF2B5EF4-FFF2-40B4-BE49-F238E27FC236}">
-                <a16:creationId xmlns:a16="http://schemas.microsoft.com/office/drawing/2014/main" id="{49A8EF19-0E1C-0D40-8FEC-A358FEB850A6}"/>
+          <p:cNvPr id="7" name="Picture 6" descr="A close up of a map&#10;&#10;Description automatically generated">
+            <a:extLst>
+              <a:ext uri="{FF2B5EF4-FFF2-40B4-BE49-F238E27FC236}">
+                <a16:creationId xmlns:a16="http://schemas.microsoft.com/office/drawing/2014/main" id="{FE805FAB-C4E1-FC45-953E-6AFB61A02CBD}"/>
               </a:ext>
             </a:extLst>
           </p:cNvPr>
           <p:cNvPicPr>
-            <a:picLocks noGrp="1" noChangeAspect="1"/>
+            <a:picLocks noChangeAspect="1"/>
           </p:cNvPicPr>
-          <p:nvPr>
-            <p:ph idx="1"/>
-          </p:nvPr>
+          <p:nvPr/>
         </p:nvPicPr>
         <p:blipFill>
           <a:blip r:embed="rId3"/>
@@ -6229,24 +7690,29 @@
         </p:blipFill>
         <p:spPr>
           <a:xfrm>
-            <a:off x="5986272" y="1789015"/>
-            <a:ext cx="5801784" cy="4351338"/>
+            <a:off x="766900" y="1062314"/>
+            <a:ext cx="5329100" cy="3996825"/>
           </a:xfrm>
+          <a:prstGeom prst="rect">
+            <a:avLst/>
+          </a:prstGeom>
         </p:spPr>
       </p:pic>
       <p:pic>
         <p:nvPicPr>
-          <p:cNvPr id="7" name="Picture 6" descr="A close up of a map&#10;&#10;Description automatically generated">
-            <a:extLst>
-              <a:ext uri="{FF2B5EF4-FFF2-40B4-BE49-F238E27FC236}">
-                <a16:creationId xmlns:a16="http://schemas.microsoft.com/office/drawing/2014/main" id="{FE805FAB-C4E1-FC45-953E-6AFB61A02CBD}"/>
+          <p:cNvPr id="9" name="Content Placeholder 8" descr="A close up of a map&#10;&#10;Description automatically generated">
+            <a:extLst>
+              <a:ext uri="{FF2B5EF4-FFF2-40B4-BE49-F238E27FC236}">
+                <a16:creationId xmlns:a16="http://schemas.microsoft.com/office/drawing/2014/main" id="{176E2314-FE60-9C44-96C6-F63ACE269D82}"/>
               </a:ext>
             </a:extLst>
           </p:cNvPr>
           <p:cNvPicPr>
-            <a:picLocks noChangeAspect="1"/>
+            <a:picLocks noGrp="1" noChangeAspect="1"/>
           </p:cNvPicPr>
-          <p:nvPr/>
+          <p:nvPr>
+            <p:ph idx="1"/>
+          </p:nvPr>
         </p:nvPicPr>
         <p:blipFill>
           <a:blip r:embed="rId4"/>
@@ -6256,14 +7722,408 @@
         </p:blipFill>
         <p:spPr>
           <a:xfrm>
-            <a:off x="606552" y="1894775"/>
-            <a:ext cx="5519759" cy="4139819"/>
+            <a:off x="6427076" y="1062314"/>
+            <a:ext cx="5229908" cy="3922431"/>
+          </a:xfrm>
+        </p:spPr>
+      </p:pic>
+      <p:pic>
+        <p:nvPicPr>
+          <p:cNvPr id="11" name="Picture 10" descr="A screenshot of a cell phone&#10;&#10;Description automatically generated">
+            <a:extLst>
+              <a:ext uri="{FF2B5EF4-FFF2-40B4-BE49-F238E27FC236}">
+                <a16:creationId xmlns:a16="http://schemas.microsoft.com/office/drawing/2014/main" id="{9166BD75-76BA-E443-A75D-C262C5AEF241}"/>
+              </a:ext>
+            </a:extLst>
+          </p:cNvPr>
+          <p:cNvPicPr>
+            <a:picLocks noChangeAspect="1"/>
+          </p:cNvPicPr>
+          <p:nvPr/>
+        </p:nvPicPr>
+        <p:blipFill>
+          <a:blip r:embed="rId5"/>
+          <a:stretch>
+            <a:fillRect/>
+          </a:stretch>
+        </p:blipFill>
+        <p:spPr>
+          <a:xfrm>
+            <a:off x="3593203" y="5188177"/>
+            <a:ext cx="6426289" cy="1669823"/>
           </a:xfrm>
           <a:prstGeom prst="rect">
             <a:avLst/>
           </a:prstGeom>
         </p:spPr>
       </p:pic>
+      <mc:AlternateContent xmlns:mc="http://schemas.openxmlformats.org/markup-compatibility/2006">
+        <mc:Choice xmlns:a14="http://schemas.microsoft.com/office/drawing/2010/main" Requires="a14">
+          <p:sp>
+            <p:nvSpPr>
+              <p:cNvPr id="12" name="TextBox 11">
+                <a:extLst>
+                  <a:ext uri="{FF2B5EF4-FFF2-40B4-BE49-F238E27FC236}">
+                    <a16:creationId xmlns:a16="http://schemas.microsoft.com/office/drawing/2014/main" id="{47C08835-2D39-274D-9E8B-680E30A44991}"/>
+                  </a:ext>
+                </a:extLst>
+              </p:cNvPr>
+              <p:cNvSpPr txBox="1"/>
+              <p:nvPr/>
+            </p:nvSpPr>
+            <p:spPr>
+              <a:xfrm>
+                <a:off x="2002220" y="6224782"/>
+                <a:ext cx="1576907" cy="369332"/>
+              </a:xfrm>
+              <a:prstGeom prst="rect">
+                <a:avLst/>
+              </a:prstGeom>
+              <a:noFill/>
+            </p:spPr>
+            <p:txBody>
+              <a:bodyPr wrap="none" rtlCol="0">
+                <a:spAutoFit/>
+              </a:bodyPr>
+              <a:lstStyle/>
+              <a:p>
+                <a14:m>
+                  <m:oMath xmlns:m="http://schemas.openxmlformats.org/officeDocument/2006/math">
+                    <m:r>
+                      <a:rPr lang="en-US" i="1">
+                        <a:latin typeface="Cambria Math" panose="02040503050406030204" pitchFamily="18" charset="0"/>
+                      </a:rPr>
+                      <m:t>𝑟𝑎𝑛𝑑𝑜𝑚</m:t>
+                    </m:r>
+                    <m:d>
+                      <m:dPr>
+                        <m:ctrlPr>
+                          <a:rPr lang="en-US" i="1">
+                            <a:latin typeface="Cambria Math" panose="02040503050406030204" pitchFamily="18" charset="0"/>
+                          </a:rPr>
+                        </m:ctrlPr>
+                      </m:dPr>
+                      <m:e>
+                        <m:r>
+                          <a:rPr lang="en-US" i="1">
+                            <a:latin typeface="Cambria Math" panose="02040503050406030204" pitchFamily="18" charset="0"/>
+                          </a:rPr>
+                          <m:t>𝑋</m:t>
+                        </m:r>
+                      </m:e>
+                    </m:d>
+                  </m:oMath>
+                </a14:m>
+                <a:r>
+                  <a:rPr lang="en-US" dirty="0"/>
+                  <a:t> = </a:t>
+                </a:r>
+              </a:p>
+            </p:txBody>
+          </p:sp>
+        </mc:Choice>
+        <mc:Fallback>
+          <p:sp>
+            <p:nvSpPr>
+              <p:cNvPr id="12" name="TextBox 11">
+                <a:extLst>
+                  <a:ext uri="{FF2B5EF4-FFF2-40B4-BE49-F238E27FC236}">
+                    <a16:creationId xmlns:a16="http://schemas.microsoft.com/office/drawing/2014/main" id="{47C08835-2D39-274D-9E8B-680E30A44991}"/>
+                  </a:ext>
+                </a:extLst>
+              </p:cNvPr>
+              <p:cNvSpPr txBox="1">
+                <a:spLocks noRot="1" noChangeAspect="1" noMove="1" noResize="1" noEditPoints="1" noAdjustHandles="1" noChangeArrowheads="1" noChangeShapeType="1" noTextEdit="1"/>
+              </p:cNvSpPr>
+              <p:nvPr/>
+            </p:nvSpPr>
+            <p:spPr>
+              <a:xfrm>
+                <a:off x="2002220" y="6224782"/>
+                <a:ext cx="1576907" cy="369332"/>
+              </a:xfrm>
+              <a:prstGeom prst="rect">
+                <a:avLst/>
+              </a:prstGeom>
+              <a:blipFill>
+                <a:blip r:embed="rId6"/>
+                <a:stretch>
+                  <a:fillRect t="-3333" r="-1600" b="-26667"/>
+                </a:stretch>
+              </a:blipFill>
+            </p:spPr>
+            <p:txBody>
+              <a:bodyPr/>
+              <a:lstStyle/>
+              <a:p>
+                <a:r>
+                  <a:rPr lang="en-US">
+                    <a:noFill/>
+                  </a:rPr>
+                  <a:t> </a:t>
+                </a:r>
+              </a:p>
+            </p:txBody>
+          </p:sp>
+        </mc:Fallback>
+      </mc:AlternateContent>
+      <mc:AlternateContent xmlns:mc="http://schemas.openxmlformats.org/markup-compatibility/2006">
+        <mc:Choice xmlns:a14="http://schemas.microsoft.com/office/drawing/2010/main" Requires="a14">
+          <p:sp>
+            <p:nvSpPr>
+              <p:cNvPr id="13" name="TextBox 12">
+                <a:extLst>
+                  <a:ext uri="{FF2B5EF4-FFF2-40B4-BE49-F238E27FC236}">
+                    <a16:creationId xmlns:a16="http://schemas.microsoft.com/office/drawing/2014/main" id="{BF84B2D4-1897-0D4E-8311-D5CDD060B400}"/>
+                  </a:ext>
+                </a:extLst>
+              </p:cNvPr>
+              <p:cNvSpPr txBox="1"/>
+              <p:nvPr/>
+            </p:nvSpPr>
+            <p:spPr>
+              <a:xfrm>
+                <a:off x="1769785" y="5936787"/>
+                <a:ext cx="1809341" cy="369332"/>
+              </a:xfrm>
+              <a:prstGeom prst="rect">
+                <a:avLst/>
+              </a:prstGeom>
+              <a:noFill/>
+            </p:spPr>
+            <p:txBody>
+              <a:bodyPr wrap="none" rtlCol="0">
+                <a:spAutoFit/>
+              </a:bodyPr>
+              <a:lstStyle/>
+              <a:p>
+                <a14:m>
+                  <m:oMath xmlns:m="http://schemas.openxmlformats.org/officeDocument/2006/math">
+                    <m:r>
+                      <a:rPr lang="en-US" i="1">
+                        <a:latin typeface="Cambria Math" panose="02040503050406030204" pitchFamily="18" charset="0"/>
+                      </a:rPr>
+                      <m:t>𝑟𝑎𝑛𝑑𝑜𝑚</m:t>
+                    </m:r>
+                    <m:d>
+                      <m:dPr>
+                        <m:ctrlPr>
+                          <a:rPr lang="en-US" i="1">
+                            <a:latin typeface="Cambria Math" panose="02040503050406030204" pitchFamily="18" charset="0"/>
+                          </a:rPr>
+                        </m:ctrlPr>
+                      </m:dPr>
+                      <m:e>
+                        <m:r>
+                          <a:rPr lang="en-US" i="1">
+                            <a:latin typeface="Cambria Math" panose="02040503050406030204" pitchFamily="18" charset="0"/>
+                          </a:rPr>
+                          <m:t>𝑋</m:t>
+                        </m:r>
+                      </m:e>
+                    </m:d>
+                  </m:oMath>
+                </a14:m>
+                <a:r>
+                  <a:rPr lang="en-US" dirty="0"/>
+                  <a:t>^2 = </a:t>
+                </a:r>
+              </a:p>
+            </p:txBody>
+          </p:sp>
+        </mc:Choice>
+        <mc:Fallback>
+          <p:sp>
+            <p:nvSpPr>
+              <p:cNvPr id="13" name="TextBox 12">
+                <a:extLst>
+                  <a:ext uri="{FF2B5EF4-FFF2-40B4-BE49-F238E27FC236}">
+                    <a16:creationId xmlns:a16="http://schemas.microsoft.com/office/drawing/2014/main" id="{BF84B2D4-1897-0D4E-8311-D5CDD060B400}"/>
+                  </a:ext>
+                </a:extLst>
+              </p:cNvPr>
+              <p:cNvSpPr txBox="1">
+                <a:spLocks noRot="1" noChangeAspect="1" noMove="1" noResize="1" noEditPoints="1" noAdjustHandles="1" noChangeArrowheads="1" noChangeShapeType="1" noTextEdit="1"/>
+              </p:cNvSpPr>
+              <p:nvPr/>
+            </p:nvSpPr>
+            <p:spPr>
+              <a:xfrm>
+                <a:off x="1769785" y="5936787"/>
+                <a:ext cx="1809341" cy="369332"/>
+              </a:xfrm>
+              <a:prstGeom prst="rect">
+                <a:avLst/>
+              </a:prstGeom>
+              <a:blipFill>
+                <a:blip r:embed="rId7"/>
+                <a:stretch>
+                  <a:fillRect t="-3226" r="-1389" b="-22581"/>
+                </a:stretch>
+              </a:blipFill>
+            </p:spPr>
+            <p:txBody>
+              <a:bodyPr/>
+              <a:lstStyle/>
+              <a:p>
+                <a:r>
+                  <a:rPr lang="en-US">
+                    <a:noFill/>
+                  </a:rPr>
+                  <a:t> </a:t>
+                </a:r>
+              </a:p>
+            </p:txBody>
+          </p:sp>
+        </mc:Fallback>
+      </mc:AlternateContent>
+      <p:sp>
+        <p:nvSpPr>
+          <p:cNvPr id="14" name="Oval 13">
+            <a:extLst>
+              <a:ext uri="{FF2B5EF4-FFF2-40B4-BE49-F238E27FC236}">
+                <a16:creationId xmlns:a16="http://schemas.microsoft.com/office/drawing/2014/main" id="{62658D0A-133A-D14B-BDD9-E7039881FB5D}"/>
+              </a:ext>
+            </a:extLst>
+          </p:cNvPr>
+          <p:cNvSpPr/>
+          <p:nvPr/>
+        </p:nvSpPr>
+        <p:spPr>
+          <a:xfrm>
+            <a:off x="4855779" y="5936787"/>
+            <a:ext cx="1240221" cy="369332"/>
+          </a:xfrm>
+          <a:prstGeom prst="ellipse">
+            <a:avLst/>
+          </a:prstGeom>
+          <a:solidFill>
+            <a:srgbClr val="FFFF00">
+              <a:alpha val="37000"/>
+            </a:srgbClr>
+          </a:solidFill>
+          <a:ln>
+            <a:solidFill>
+              <a:srgbClr val="FFFF00"/>
+            </a:solidFill>
+          </a:ln>
+        </p:spPr>
+        <p:style>
+          <a:lnRef idx="2">
+            <a:schemeClr val="accent1">
+              <a:shade val="50000"/>
+            </a:schemeClr>
+          </a:lnRef>
+          <a:fillRef idx="1">
+            <a:schemeClr val="accent1"/>
+          </a:fillRef>
+          <a:effectRef idx="0">
+            <a:schemeClr val="accent1"/>
+          </a:effectRef>
+          <a:fontRef idx="minor">
+            <a:schemeClr val="lt1"/>
+          </a:fontRef>
+        </p:style>
+        <p:txBody>
+          <a:bodyPr rtlCol="0" anchor="ctr"/>
+          <a:lstStyle/>
+          <a:p>
+            <a:pPr algn="ctr"/>
+            <a:endParaRPr lang="en-US"/>
+          </a:p>
+        </p:txBody>
+      </p:sp>
+      <p:sp>
+        <p:nvSpPr>
+          <p:cNvPr id="15" name="Oval 14">
+            <a:extLst>
+              <a:ext uri="{FF2B5EF4-FFF2-40B4-BE49-F238E27FC236}">
+                <a16:creationId xmlns:a16="http://schemas.microsoft.com/office/drawing/2014/main" id="{695C45F9-0192-CD48-91C3-87BBCF1F5977}"/>
+              </a:ext>
+            </a:extLst>
+          </p:cNvPr>
+          <p:cNvSpPr/>
+          <p:nvPr/>
+        </p:nvSpPr>
+        <p:spPr>
+          <a:xfrm>
+            <a:off x="8113985" y="5941219"/>
+            <a:ext cx="1240221" cy="369332"/>
+          </a:xfrm>
+          <a:prstGeom prst="ellipse">
+            <a:avLst/>
+          </a:prstGeom>
+          <a:solidFill>
+            <a:srgbClr val="FFFF00">
+              <a:alpha val="37000"/>
+            </a:srgbClr>
+          </a:solidFill>
+          <a:ln>
+            <a:solidFill>
+              <a:srgbClr val="FFFF00"/>
+            </a:solidFill>
+          </a:ln>
+        </p:spPr>
+        <p:style>
+          <a:lnRef idx="2">
+            <a:schemeClr val="accent1">
+              <a:shade val="50000"/>
+            </a:schemeClr>
+          </a:lnRef>
+          <a:fillRef idx="1">
+            <a:schemeClr val="accent1"/>
+          </a:fillRef>
+          <a:effectRef idx="0">
+            <a:schemeClr val="accent1"/>
+          </a:effectRef>
+          <a:fontRef idx="minor">
+            <a:schemeClr val="lt1"/>
+          </a:fontRef>
+        </p:style>
+        <p:txBody>
+          <a:bodyPr rtlCol="0" anchor="ctr"/>
+          <a:lstStyle/>
+          <a:p>
+            <a:pPr algn="ctr"/>
+            <a:endParaRPr lang="en-US"/>
+          </a:p>
+        </p:txBody>
+      </p:sp>
+      <p:sp>
+        <p:nvSpPr>
+          <p:cNvPr id="16" name="TextBox 15">
+            <a:extLst>
+              <a:ext uri="{FF2B5EF4-FFF2-40B4-BE49-F238E27FC236}">
+                <a16:creationId xmlns:a16="http://schemas.microsoft.com/office/drawing/2014/main" id="{A36FB90C-AE05-974C-B470-D18D228799A5}"/>
+              </a:ext>
+            </a:extLst>
+          </p:cNvPr>
+          <p:cNvSpPr txBox="1"/>
+          <p:nvPr/>
+        </p:nvSpPr>
+        <p:spPr>
+          <a:xfrm>
+            <a:off x="9573918" y="5901616"/>
+            <a:ext cx="2618082" cy="369332"/>
+          </a:xfrm>
+          <a:prstGeom prst="rect">
+            <a:avLst/>
+          </a:prstGeom>
+          <a:noFill/>
+        </p:spPr>
+        <p:txBody>
+          <a:bodyPr wrap="square" rtlCol="0">
+            <a:spAutoFit/>
+          </a:bodyPr>
+          <a:lstStyle/>
+          <a:p>
+            <a:r>
+              <a:rPr lang="en-US" b="1" dirty="0"/>
+              <a:t>Sig. but wrong sign</a:t>
+            </a:r>
+          </a:p>
+        </p:txBody>
+      </p:sp>
     </p:spTree>
     <p:extLst>
       <p:ext uri="{BB962C8B-B14F-4D97-AF65-F5344CB8AC3E}">
@@ -6277,7 +8137,7 @@
 </p:sld>
 </file>
 
-<file path=ppt/slides/slide25.xml><?xml version="1.0" encoding="utf-8"?>
+<file path=ppt/slides/slide29.xml><?xml version="1.0" encoding="utf-8"?>
 <p:sld xmlns:a="http://schemas.openxmlformats.org/drawingml/2006/main" xmlns:r="http://schemas.openxmlformats.org/officeDocument/2006/relationships" xmlns:p="http://schemas.openxmlformats.org/presentationml/2006/main">
   <p:cSld>
     <p:spTree>
@@ -6294,8 +8154,38 @@
           <a:chExt cx="0" cy="0"/>
         </a:xfrm>
       </p:grpSpPr>
-      <mc:AlternateContent xmlns:mc="http://schemas.openxmlformats.org/markup-compatibility/2006" xmlns:a14="http://schemas.microsoft.com/office/drawing/2010/main">
-        <mc:Choice Requires="a14">
+      <p:pic>
+        <p:nvPicPr>
+          <p:cNvPr id="9" name="Picture 8" descr="A screenshot of a cell phone&#10;&#10;Description automatically generated">
+            <a:extLst>
+              <a:ext uri="{FF2B5EF4-FFF2-40B4-BE49-F238E27FC236}">
+                <a16:creationId xmlns:a16="http://schemas.microsoft.com/office/drawing/2014/main" id="{2CA97E4E-12D0-7542-81F4-8AC6F209EACC}"/>
+              </a:ext>
+            </a:extLst>
+          </p:cNvPr>
+          <p:cNvPicPr>
+            <a:picLocks noChangeAspect="1"/>
+          </p:cNvPicPr>
+          <p:nvPr/>
+        </p:nvPicPr>
+        <p:blipFill>
+          <a:blip r:embed="rId2"/>
+          <a:stretch>
+            <a:fillRect/>
+          </a:stretch>
+        </p:blipFill>
+        <p:spPr>
+          <a:xfrm>
+            <a:off x="2299519" y="5331042"/>
+            <a:ext cx="7175556" cy="1526958"/>
+          </a:xfrm>
+          <a:prstGeom prst="rect">
+            <a:avLst/>
+          </a:prstGeom>
+        </p:spPr>
+      </p:pic>
+      <mc:AlternateContent xmlns:mc="http://schemas.openxmlformats.org/markup-compatibility/2006">
+        <mc:Choice xmlns:a14="http://schemas.microsoft.com/office/drawing/2010/main" Requires="a14">
           <p:sp>
             <p:nvSpPr>
               <p:cNvPr id="2" name="Title 1">
@@ -6312,7 +8202,12 @@
                 <p:ph type="title"/>
               </p:nvPr>
             </p:nvSpPr>
-            <p:spPr/>
+            <p:spPr>
+              <a:xfrm>
+                <a:off x="1058918" y="0"/>
+                <a:ext cx="9325246" cy="1181096"/>
+              </a:xfrm>
+            </p:spPr>
             <p:txBody>
               <a:bodyPr>
                 <a:normAutofit/>
@@ -6358,7 +8253,7 @@
             </p:txBody>
           </p:sp>
         </mc:Choice>
-        <mc:Fallback xmlns="">
+        <mc:Fallback>
           <p:sp>
             <p:nvSpPr>
               <p:cNvPr id="2" name="Title 1">
@@ -6376,10 +8271,14 @@
               </p:nvPr>
             </p:nvSpPr>
             <p:spPr>
+              <a:xfrm>
+                <a:off x="1058918" y="0"/>
+                <a:ext cx="9325246" cy="1181096"/>
+              </a:xfrm>
               <a:blipFill>
-                <a:blip r:embed="rId2"/>
+                <a:blip r:embed="rId3"/>
                 <a:stretch>
-                  <a:fillRect l="-1568"/>
+                  <a:fillRect l="-1766"/>
                 </a:stretch>
               </a:blipFill>
             </p:spPr>
@@ -6415,33 +8314,6 @@
           </p:nvPr>
         </p:nvPicPr>
         <p:blipFill>
-          <a:blip r:embed="rId3"/>
-          <a:stretch>
-            <a:fillRect/>
-          </a:stretch>
-        </p:blipFill>
-        <p:spPr>
-          <a:xfrm>
-            <a:off x="294216" y="1519237"/>
-            <a:ext cx="5801784" cy="4351338"/>
-          </a:xfrm>
-        </p:spPr>
-      </p:pic>
-      <p:pic>
-        <p:nvPicPr>
-          <p:cNvPr id="7" name="Picture 6" descr="A close up of a map&#10;&#10;Description automatically generated">
-            <a:extLst>
-              <a:ext uri="{FF2B5EF4-FFF2-40B4-BE49-F238E27FC236}">
-                <a16:creationId xmlns:a16="http://schemas.microsoft.com/office/drawing/2014/main" id="{7EE1BED8-7A02-0845-A32E-7046A881A1E3}"/>
-              </a:ext>
-            </a:extLst>
-          </p:cNvPr>
-          <p:cNvPicPr>
-            <a:picLocks noChangeAspect="1"/>
-          </p:cNvPicPr>
-          <p:nvPr/>
-        </p:nvPicPr>
-        <p:blipFill>
           <a:blip r:embed="rId4"/>
           <a:stretch>
             <a:fillRect/>
@@ -6449,14 +8321,138 @@
         </p:blipFill>
         <p:spPr>
           <a:xfrm>
-            <a:off x="6233372" y="1622266"/>
-            <a:ext cx="5664412" cy="4248309"/>
+            <a:off x="514934" y="1154111"/>
+            <a:ext cx="5169475" cy="3877106"/>
+          </a:xfrm>
+        </p:spPr>
+      </p:pic>
+      <p:pic>
+        <p:nvPicPr>
+          <p:cNvPr id="7" name="Picture 6" descr="A close up of a map&#10;&#10;Description automatically generated">
+            <a:extLst>
+              <a:ext uri="{FF2B5EF4-FFF2-40B4-BE49-F238E27FC236}">
+                <a16:creationId xmlns:a16="http://schemas.microsoft.com/office/drawing/2014/main" id="{7EE1BED8-7A02-0845-A32E-7046A881A1E3}"/>
+              </a:ext>
+            </a:extLst>
+          </p:cNvPr>
+          <p:cNvPicPr>
+            <a:picLocks noChangeAspect="1"/>
+          </p:cNvPicPr>
+          <p:nvPr/>
+        </p:nvPicPr>
+        <p:blipFill>
+          <a:blip r:embed="rId5"/>
+          <a:stretch>
+            <a:fillRect/>
+          </a:stretch>
+        </p:blipFill>
+        <p:spPr>
+          <a:xfrm>
+            <a:off x="6454090" y="1257141"/>
+            <a:ext cx="5047075" cy="3785306"/>
           </a:xfrm>
           <a:prstGeom prst="rect">
             <a:avLst/>
           </a:prstGeom>
         </p:spPr>
       </p:pic>
+      <p:sp>
+        <p:nvSpPr>
+          <p:cNvPr id="8" name="Oval 7">
+            <a:extLst>
+              <a:ext uri="{FF2B5EF4-FFF2-40B4-BE49-F238E27FC236}">
+                <a16:creationId xmlns:a16="http://schemas.microsoft.com/office/drawing/2014/main" id="{7E8B5DFE-5426-A64D-A7ED-681401589E11}"/>
+              </a:ext>
+            </a:extLst>
+          </p:cNvPr>
+          <p:cNvSpPr/>
+          <p:nvPr/>
+        </p:nvSpPr>
+        <p:spPr>
+          <a:xfrm>
+            <a:off x="7737406" y="6126324"/>
+            <a:ext cx="1240221" cy="369332"/>
+          </a:xfrm>
+          <a:prstGeom prst="ellipse">
+            <a:avLst/>
+          </a:prstGeom>
+          <a:solidFill>
+            <a:srgbClr val="FFFF00">
+              <a:alpha val="37000"/>
+            </a:srgbClr>
+          </a:solidFill>
+          <a:ln>
+            <a:solidFill>
+              <a:srgbClr val="FFFF00"/>
+            </a:solidFill>
+          </a:ln>
+        </p:spPr>
+        <p:style>
+          <a:lnRef idx="2">
+            <a:schemeClr val="accent1">
+              <a:shade val="50000"/>
+            </a:schemeClr>
+          </a:lnRef>
+          <a:fillRef idx="1">
+            <a:schemeClr val="accent1"/>
+          </a:fillRef>
+          <a:effectRef idx="0">
+            <a:schemeClr val="accent1"/>
+          </a:effectRef>
+          <a:fontRef idx="minor">
+            <a:schemeClr val="lt1"/>
+          </a:fontRef>
+        </p:style>
+        <p:txBody>
+          <a:bodyPr rtlCol="0" anchor="ctr"/>
+          <a:lstStyle/>
+          <a:p>
+            <a:pPr algn="ctr"/>
+            <a:endParaRPr lang="en-US"/>
+          </a:p>
+        </p:txBody>
+      </p:sp>
+      <p:sp>
+        <p:nvSpPr>
+          <p:cNvPr id="11" name="TextBox 10">
+            <a:extLst>
+              <a:ext uri="{FF2B5EF4-FFF2-40B4-BE49-F238E27FC236}">
+                <a16:creationId xmlns:a16="http://schemas.microsoft.com/office/drawing/2014/main" id="{41523DA8-BBBD-E142-984D-0147FC097013}"/>
+              </a:ext>
+            </a:extLst>
+          </p:cNvPr>
+          <p:cNvSpPr txBox="1"/>
+          <p:nvPr/>
+        </p:nvSpPr>
+        <p:spPr>
+          <a:xfrm>
+            <a:off x="9695793" y="5600859"/>
+            <a:ext cx="2191407" cy="646331"/>
+          </a:xfrm>
+          <a:prstGeom prst="rect">
+            <a:avLst/>
+          </a:prstGeom>
+          <a:noFill/>
+        </p:spPr>
+        <p:txBody>
+          <a:bodyPr wrap="square" rtlCol="0">
+            <a:spAutoFit/>
+          </a:bodyPr>
+          <a:lstStyle/>
+          <a:p>
+            <a:r>
+              <a:rPr lang="en-US" dirty="0"/>
+              <a:t>Indicates linear rel., </a:t>
+            </a:r>
+          </a:p>
+          <a:p>
+            <a:r>
+              <a:rPr lang="en-US" dirty="0"/>
+              <a:t>not interesting</a:t>
+            </a:r>
+          </a:p>
+        </p:txBody>
+      </p:sp>
     </p:spTree>
     <p:extLst>
       <p:ext uri="{BB962C8B-B14F-4D97-AF65-F5344CB8AC3E}">
@@ -6470,7 +8466,7 @@
 </p:sld>
 </file>
 
-<file path=ppt/slides/slide26.xml><?xml version="1.0" encoding="utf-8"?>
+<file path=ppt/slides/slide3.xml><?xml version="1.0" encoding="utf-8"?>
 <p:sld xmlns:a="http://schemas.openxmlformats.org/drawingml/2006/main" xmlns:r="http://schemas.openxmlformats.org/officeDocument/2006/relationships" xmlns:p="http://schemas.openxmlformats.org/presentationml/2006/main">
   <p:cSld>
     <p:spTree>
@@ -6492,7 +8488,7 @@
           <p:cNvPr id="2" name="Title 1">
             <a:extLst>
               <a:ext uri="{FF2B5EF4-FFF2-40B4-BE49-F238E27FC236}">
-                <a16:creationId xmlns:a16="http://schemas.microsoft.com/office/drawing/2014/main" id="{45695A92-2F4B-874B-A808-C2C4BD006475}"/>
+                <a16:creationId xmlns:a16="http://schemas.microsoft.com/office/drawing/2014/main" id="{371278A0-3AED-DD44-9426-F7734FE052A4}"/>
               </a:ext>
             </a:extLst>
           </p:cNvPr>
@@ -6510,74 +8506,62 @@
           <a:p>
             <a:r>
               <a:rPr lang="en-US" dirty="0"/>
-              <a:t>Experiment 2 – Results: Complexity tracker</a:t>
-            </a:r>
-          </a:p>
-        </p:txBody>
-      </p:sp>
-      <p:pic>
-        <p:nvPicPr>
-          <p:cNvPr id="5" name="Content Placeholder 4" descr="A close up of a map&#10;&#10;Description automatically generated">
-            <a:extLst>
-              <a:ext uri="{FF2B5EF4-FFF2-40B4-BE49-F238E27FC236}">
-                <a16:creationId xmlns:a16="http://schemas.microsoft.com/office/drawing/2014/main" id="{3C7846F1-6431-6348-986F-01EEE01E2669}"/>
-              </a:ext>
-            </a:extLst>
-          </p:cNvPr>
-          <p:cNvPicPr>
-            <a:picLocks noGrp="1" noChangeAspect="1"/>
-          </p:cNvPicPr>
+              <a:t>Note </a:t>
+            </a:r>
+          </a:p>
+        </p:txBody>
+      </p:sp>
+      <p:sp>
+        <p:nvSpPr>
+          <p:cNvPr id="3" name="Content Placeholder 2">
+            <a:extLst>
+              <a:ext uri="{FF2B5EF4-FFF2-40B4-BE49-F238E27FC236}">
+                <a16:creationId xmlns:a16="http://schemas.microsoft.com/office/drawing/2014/main" id="{F7E366D0-B014-9B48-92F2-EF816E97B927}"/>
+              </a:ext>
+            </a:extLst>
+          </p:cNvPr>
+          <p:cNvSpPr>
+            <a:spLocks noGrp="1"/>
+          </p:cNvSpPr>
           <p:nvPr>
             <p:ph idx="1"/>
           </p:nvPr>
-        </p:nvPicPr>
-        <p:blipFill>
-          <a:blip r:embed="rId2"/>
-          <a:stretch>
-            <a:fillRect/>
-          </a:stretch>
-        </p:blipFill>
-        <p:spPr>
-          <a:xfrm>
-            <a:off x="825965" y="2052462"/>
-            <a:ext cx="5270036" cy="3952527"/>
-          </a:xfrm>
-        </p:spPr>
-      </p:pic>
-      <p:pic>
-        <p:nvPicPr>
-          <p:cNvPr id="7" name="Picture 6" descr="A close up of a map&#10;&#10;Description automatically generated">
-            <a:extLst>
-              <a:ext uri="{FF2B5EF4-FFF2-40B4-BE49-F238E27FC236}">
-                <a16:creationId xmlns:a16="http://schemas.microsoft.com/office/drawing/2014/main" id="{4D3CBFD6-6F85-A84E-9FBD-DF7E1F03F0B7}"/>
-              </a:ext>
-            </a:extLst>
-          </p:cNvPr>
-          <p:cNvPicPr>
-            <a:picLocks noChangeAspect="1"/>
-          </p:cNvPicPr>
-          <p:nvPr/>
-        </p:nvPicPr>
-        <p:blipFill>
-          <a:blip r:embed="rId3"/>
-          <a:stretch>
-            <a:fillRect/>
-          </a:stretch>
-        </p:blipFill>
-        <p:spPr>
-          <a:xfrm>
-            <a:off x="6096000" y="2052463"/>
-            <a:ext cx="5270035" cy="3952526"/>
-          </a:xfrm>
-          <a:prstGeom prst="rect">
-            <a:avLst/>
-          </a:prstGeom>
-        </p:spPr>
-      </p:pic>
+        </p:nvSpPr>
+        <p:spPr/>
+        <p:txBody>
+          <a:bodyPr/>
+          <a:lstStyle/>
+          <a:p>
+            <a:pPr marL="0" indent="0" algn="ctr">
+              <a:buNone/>
+            </a:pPr>
+            <a:r>
+              <a:rPr lang="en-US" dirty="0"/>
+              <a:t>Key experimental and modelling decisions that may have caused undesirable outcomes are </a:t>
+            </a:r>
+            <a:r>
+              <a:rPr lang="en-US" i="1" u="sng" dirty="0"/>
+              <a:t>underlined and italicized </a:t>
+            </a:r>
+            <a:r>
+              <a:rPr lang="en-US" dirty="0"/>
+              <a:t>throughout the presentation and will be discussed in detail in the </a:t>
+            </a:r>
+            <a:r>
+              <a:rPr lang="en-US" i="1" dirty="0"/>
+              <a:t>‘Potential problems’ </a:t>
+            </a:r>
+            <a:r>
+              <a:rPr lang="en-US" dirty="0"/>
+              <a:t>section</a:t>
+            </a:r>
+          </a:p>
+        </p:txBody>
+      </p:sp>
     </p:spTree>
     <p:extLst>
       <p:ext uri="{BB962C8B-B14F-4D97-AF65-F5344CB8AC3E}">
-        <p14:creationId xmlns:p14="http://schemas.microsoft.com/office/powerpoint/2010/main" val="3454607812"/>
+        <p14:creationId xmlns:p14="http://schemas.microsoft.com/office/powerpoint/2010/main" val="4237877513"/>
       </p:ext>
     </p:extLst>
   </p:cSld>
@@ -6587,7 +8571,7 @@
 </p:sld>
 </file>
 
-<file path=ppt/slides/slide27.xml><?xml version="1.0" encoding="utf-8"?>
+<file path=ppt/slides/slide30.xml><?xml version="1.0" encoding="utf-8"?>
 <p:sld xmlns:a="http://schemas.openxmlformats.org/drawingml/2006/main" xmlns:r="http://schemas.openxmlformats.org/officeDocument/2006/relationships" xmlns:p="http://schemas.openxmlformats.org/presentationml/2006/main">
   <p:cSld>
     <p:spTree>
@@ -6609,7 +8593,7 @@
           <p:cNvPr id="2" name="Title 1">
             <a:extLst>
               <a:ext uri="{FF2B5EF4-FFF2-40B4-BE49-F238E27FC236}">
-                <a16:creationId xmlns:a16="http://schemas.microsoft.com/office/drawing/2014/main" id="{AFD028DC-693C-254A-A043-2140D321EB1C}"/>
+                <a16:creationId xmlns:a16="http://schemas.microsoft.com/office/drawing/2014/main" id="{45695A92-2F4B-874B-A808-C2C4BD006475}"/>
               </a:ext>
             </a:extLst>
           </p:cNvPr>
@@ -6620,64 +8604,215 @@
             <p:ph type="title"/>
           </p:nvPr>
         </p:nvSpPr>
-        <p:spPr/>
-        <p:txBody>
-          <a:bodyPr/>
+        <p:spPr>
+          <a:xfrm>
+            <a:off x="903027" y="0"/>
+            <a:ext cx="10385945" cy="1441498"/>
+          </a:xfrm>
+        </p:spPr>
+        <p:txBody>
+          <a:bodyPr>
+            <a:normAutofit/>
+          </a:bodyPr>
           <a:lstStyle/>
           <a:p>
             <a:r>
-              <a:rPr lang="en-US" dirty="0"/>
-              <a:t>Potential problems – Experimental design</a:t>
-            </a:r>
-          </a:p>
-        </p:txBody>
-      </p:sp>
-      <p:sp>
-        <p:nvSpPr>
-          <p:cNvPr id="3" name="Content Placeholder 2">
-            <a:extLst>
-              <a:ext uri="{FF2B5EF4-FFF2-40B4-BE49-F238E27FC236}">
-                <a16:creationId xmlns:a16="http://schemas.microsoft.com/office/drawing/2014/main" id="{D456F73F-59E9-FD4F-9D9D-CB0DF939F6F9}"/>
-              </a:ext>
-            </a:extLst>
-          </p:cNvPr>
-          <p:cNvSpPr>
-            <a:spLocks noGrp="1"/>
-          </p:cNvSpPr>
+              <a:rPr lang="en-US" sz="4000" dirty="0"/>
+              <a:t>Experiment 2 – Results: Complexity tracker</a:t>
+            </a:r>
+          </a:p>
+        </p:txBody>
+      </p:sp>
+      <p:pic>
+        <p:nvPicPr>
+          <p:cNvPr id="5" name="Content Placeholder 4" descr="A close up of a map&#10;&#10;Description automatically generated">
+            <a:extLst>
+              <a:ext uri="{FF2B5EF4-FFF2-40B4-BE49-F238E27FC236}">
+                <a16:creationId xmlns:a16="http://schemas.microsoft.com/office/drawing/2014/main" id="{3C7846F1-6431-6348-986F-01EEE01E2669}"/>
+              </a:ext>
+            </a:extLst>
+          </p:cNvPr>
+          <p:cNvPicPr>
+            <a:picLocks noGrp="1" noChangeAspect="1"/>
+          </p:cNvPicPr>
           <p:nvPr>
             <p:ph idx="1"/>
           </p:nvPr>
-        </p:nvSpPr>
-        <p:spPr/>
-        <p:txBody>
-          <a:bodyPr/>
+        </p:nvPicPr>
+        <p:blipFill>
+          <a:blip r:embed="rId2"/>
+          <a:stretch>
+            <a:fillRect/>
+          </a:stretch>
+        </p:blipFill>
+        <p:spPr>
+          <a:xfrm>
+            <a:off x="903027" y="1441498"/>
+            <a:ext cx="4620625" cy="3465469"/>
+          </a:xfrm>
+        </p:spPr>
+      </p:pic>
+      <p:pic>
+        <p:nvPicPr>
+          <p:cNvPr id="7" name="Picture 6" descr="A close up of a map&#10;&#10;Description automatically generated">
+            <a:extLst>
+              <a:ext uri="{FF2B5EF4-FFF2-40B4-BE49-F238E27FC236}">
+                <a16:creationId xmlns:a16="http://schemas.microsoft.com/office/drawing/2014/main" id="{4D3CBFD6-6F85-A84E-9FBD-DF7E1F03F0B7}"/>
+              </a:ext>
+            </a:extLst>
+          </p:cNvPr>
+          <p:cNvPicPr>
+            <a:picLocks noChangeAspect="1"/>
+          </p:cNvPicPr>
+          <p:nvPr/>
+        </p:nvPicPr>
+        <p:blipFill>
+          <a:blip r:embed="rId3"/>
+          <a:stretch>
+            <a:fillRect/>
+          </a:stretch>
+        </p:blipFill>
+        <p:spPr>
+          <a:xfrm>
+            <a:off x="6173063" y="1441499"/>
+            <a:ext cx="4620624" cy="3465468"/>
+          </a:xfrm>
+          <a:prstGeom prst="rect">
+            <a:avLst/>
+          </a:prstGeom>
+        </p:spPr>
+      </p:pic>
+      <p:pic>
+        <p:nvPicPr>
+          <p:cNvPr id="4" name="Picture 3" descr="A screenshot of a cell phone&#10;&#10;Description automatically generated">
+            <a:extLst>
+              <a:ext uri="{FF2B5EF4-FFF2-40B4-BE49-F238E27FC236}">
+                <a16:creationId xmlns:a16="http://schemas.microsoft.com/office/drawing/2014/main" id="{1D844B48-1A71-7D4B-BB67-FE279FC0D25D}"/>
+              </a:ext>
+            </a:extLst>
+          </p:cNvPr>
+          <p:cNvPicPr>
+            <a:picLocks noChangeAspect="1"/>
+          </p:cNvPicPr>
+          <p:nvPr/>
+        </p:nvPicPr>
+        <p:blipFill>
+          <a:blip r:embed="rId4"/>
+          <a:stretch>
+            <a:fillRect/>
+          </a:stretch>
+        </p:blipFill>
+        <p:spPr>
+          <a:xfrm>
+            <a:off x="2732689" y="5039559"/>
+            <a:ext cx="7136525" cy="1818441"/>
+          </a:xfrm>
+          <a:prstGeom prst="rect">
+            <a:avLst/>
+          </a:prstGeom>
+        </p:spPr>
+      </p:pic>
+      <p:sp>
+        <p:nvSpPr>
+          <p:cNvPr id="8" name="Oval 7">
+            <a:extLst>
+              <a:ext uri="{FF2B5EF4-FFF2-40B4-BE49-F238E27FC236}">
+                <a16:creationId xmlns:a16="http://schemas.microsoft.com/office/drawing/2014/main" id="{270420AE-B46F-834E-A298-085FEE9EECB3}"/>
+              </a:ext>
+            </a:extLst>
+          </p:cNvPr>
+          <p:cNvSpPr/>
+          <p:nvPr/>
+        </p:nvSpPr>
+        <p:spPr>
+          <a:xfrm>
+            <a:off x="7835462" y="5975130"/>
+            <a:ext cx="1623849" cy="332393"/>
+          </a:xfrm>
+          <a:prstGeom prst="ellipse">
+            <a:avLst/>
+          </a:prstGeom>
+          <a:solidFill>
+            <a:srgbClr val="FFFF00">
+              <a:alpha val="37000"/>
+            </a:srgbClr>
+          </a:solidFill>
+          <a:ln>
+            <a:solidFill>
+              <a:srgbClr val="FFFF00"/>
+            </a:solidFill>
+          </a:ln>
+        </p:spPr>
+        <p:style>
+          <a:lnRef idx="2">
+            <a:schemeClr val="accent1">
+              <a:shade val="50000"/>
+            </a:schemeClr>
+          </a:lnRef>
+          <a:fillRef idx="1">
+            <a:schemeClr val="accent1"/>
+          </a:fillRef>
+          <a:effectRef idx="0">
+            <a:schemeClr val="accent1"/>
+          </a:effectRef>
+          <a:fontRef idx="minor">
+            <a:schemeClr val="lt1"/>
+          </a:fontRef>
+        </p:style>
+        <p:txBody>
+          <a:bodyPr rtlCol="0" anchor="ctr"/>
           <a:lstStyle/>
           <a:p>
-            <a:pPr marL="0" indent="0" algn="ctr">
-              <a:buNone/>
-            </a:pPr>
-            <a:r>
-              <a:rPr lang="en-US" dirty="0">
-                <a:sym typeface="Wingdings" pitchFamily="2" charset="2"/>
-              </a:rPr>
-              <a:t>Experiment 2: </a:t>
-            </a:r>
-            <a:r>
-              <a:rPr lang="en-US" i="1" u="sng" dirty="0"/>
-              <a:t>We use a proxy of engagement to facilitate running this study via </a:t>
-            </a:r>
-            <a:r>
-              <a:rPr lang="en-US" i="1" u="sng" dirty="0" err="1"/>
-              <a:t>mTurk</a:t>
-            </a:r>
-            <a:endParaRPr lang="en-US" i="1" u="sng" dirty="0"/>
+            <a:pPr algn="ctr"/>
+            <a:endParaRPr lang="en-US"/>
+          </a:p>
+        </p:txBody>
+      </p:sp>
+      <p:sp>
+        <p:nvSpPr>
+          <p:cNvPr id="9" name="TextBox 8">
+            <a:extLst>
+              <a:ext uri="{FF2B5EF4-FFF2-40B4-BE49-F238E27FC236}">
+                <a16:creationId xmlns:a16="http://schemas.microsoft.com/office/drawing/2014/main" id="{C501761F-6F75-DC4F-A651-FED52A73C731}"/>
+              </a:ext>
+            </a:extLst>
+          </p:cNvPr>
+          <p:cNvSpPr txBox="1"/>
+          <p:nvPr/>
+        </p:nvSpPr>
+        <p:spPr>
+          <a:xfrm>
+            <a:off x="9480331" y="5210115"/>
+            <a:ext cx="2711669" cy="1477328"/>
+          </a:xfrm>
+          <a:prstGeom prst="rect">
+            <a:avLst/>
+          </a:prstGeom>
+          <a:noFill/>
+        </p:spPr>
+        <p:txBody>
+          <a:bodyPr wrap="square" rtlCol="0">
+            <a:spAutoFit/>
+          </a:bodyPr>
+          <a:lstStyle/>
+          <a:p>
+            <a:r>
+              <a:rPr lang="en-US" dirty="0"/>
+              <a:t>Indicates higher likelihood of disengagement for higher tracker counts,</a:t>
+            </a:r>
+          </a:p>
+          <a:p>
+            <a:r>
+              <a:rPr lang="en-US" dirty="0"/>
+              <a:t>Again probably high multicollinearity</a:t>
+            </a:r>
           </a:p>
         </p:txBody>
       </p:sp>
     </p:spTree>
     <p:extLst>
       <p:ext uri="{BB962C8B-B14F-4D97-AF65-F5344CB8AC3E}">
-        <p14:creationId xmlns:p14="http://schemas.microsoft.com/office/powerpoint/2010/main" val="2506110036"/>
+        <p14:creationId xmlns:p14="http://schemas.microsoft.com/office/powerpoint/2010/main" val="3454607812"/>
       </p:ext>
     </p:extLst>
   </p:cSld>
@@ -6687,7 +8822,7 @@
 </p:sld>
 </file>
 
-<file path=ppt/slides/slide28.xml><?xml version="1.0" encoding="utf-8"?>
+<file path=ppt/slides/slide31.xml><?xml version="1.0" encoding="utf-8"?>
 <p:sld xmlns:a="http://schemas.openxmlformats.org/drawingml/2006/main" xmlns:r="http://schemas.openxmlformats.org/officeDocument/2006/relationships" xmlns:p="http://schemas.openxmlformats.org/presentationml/2006/main">
   <p:cSld>
     <p:spTree>
@@ -6727,13 +8862,149 @@
           <a:p>
             <a:r>
               <a:rPr lang="en-US" dirty="0"/>
+              <a:t>Potential problems – Experimental design</a:t>
+            </a:r>
+          </a:p>
+        </p:txBody>
+      </p:sp>
+      <p:sp>
+        <p:nvSpPr>
+          <p:cNvPr id="3" name="Content Placeholder 2">
+            <a:extLst>
+              <a:ext uri="{FF2B5EF4-FFF2-40B4-BE49-F238E27FC236}">
+                <a16:creationId xmlns:a16="http://schemas.microsoft.com/office/drawing/2014/main" id="{D456F73F-59E9-FD4F-9D9D-CB0DF939F6F9}"/>
+              </a:ext>
+            </a:extLst>
+          </p:cNvPr>
+          <p:cNvSpPr>
+            <a:spLocks noGrp="1"/>
+          </p:cNvSpPr>
+          <p:nvPr>
+            <p:ph idx="1"/>
+          </p:nvPr>
+        </p:nvSpPr>
+        <p:spPr/>
+        <p:txBody>
+          <a:bodyPr/>
+          <a:lstStyle/>
+          <a:p>
+            <a:pPr marL="0" indent="0" algn="ctr">
+              <a:buNone/>
+            </a:pPr>
+            <a:r>
+              <a:rPr lang="en-US" dirty="0">
+                <a:sym typeface="Wingdings" pitchFamily="2" charset="2"/>
+              </a:rPr>
+              <a:t>Experiment 2: </a:t>
+            </a:r>
+            <a:r>
+              <a:rPr lang="en-US" i="1" u="sng" dirty="0"/>
+              <a:t>We use a proxy of engagement to facilitate running this study via </a:t>
+            </a:r>
+            <a:r>
+              <a:rPr lang="en-US" i="1" u="sng" dirty="0" err="1"/>
+              <a:t>mTurk</a:t>
+            </a:r>
+            <a:endParaRPr lang="en-US" i="1" u="sng" dirty="0"/>
+          </a:p>
+        </p:txBody>
+      </p:sp>
+      <p:sp>
+        <p:nvSpPr>
+          <p:cNvPr id="4" name="TextBox 3">
+            <a:extLst>
+              <a:ext uri="{FF2B5EF4-FFF2-40B4-BE49-F238E27FC236}">
+                <a16:creationId xmlns:a16="http://schemas.microsoft.com/office/drawing/2014/main" id="{CD2E3D84-DB9E-5946-9F54-EC1DF5E13860}"/>
+              </a:ext>
+            </a:extLst>
+          </p:cNvPr>
+          <p:cNvSpPr txBox="1"/>
+          <p:nvPr/>
+        </p:nvSpPr>
+        <p:spPr>
+          <a:xfrm>
+            <a:off x="2138855" y="3429000"/>
+            <a:ext cx="7914290" cy="1938992"/>
+          </a:xfrm>
+          <a:prstGeom prst="rect">
+            <a:avLst/>
+          </a:prstGeom>
+          <a:noFill/>
+        </p:spPr>
+        <p:txBody>
+          <a:bodyPr wrap="square" rtlCol="0">
+            <a:spAutoFit/>
+          </a:bodyPr>
+          <a:lstStyle/>
+          <a:p>
+            <a:pPr algn="ctr"/>
+            <a:r>
+              <a:rPr lang="en-US" sz="2400" dirty="0"/>
+              <a:t>We may be biasing people to look for patterns in the sequences, even when they are too random. It does become apparent quickly enough that a sequence is random, so people engage longer with random sequences than we expected </a:t>
+            </a:r>
+          </a:p>
+        </p:txBody>
+      </p:sp>
+    </p:spTree>
+    <p:extLst>
+      <p:ext uri="{BB962C8B-B14F-4D97-AF65-F5344CB8AC3E}">
+        <p14:creationId xmlns:p14="http://schemas.microsoft.com/office/powerpoint/2010/main" val="2506110036"/>
+      </p:ext>
+    </p:extLst>
+  </p:cSld>
+  <p:clrMapOvr>
+    <a:masterClrMapping/>
+  </p:clrMapOvr>
+</p:sld>
+</file>
+
+<file path=ppt/slides/slide32.xml><?xml version="1.0" encoding="utf-8"?>
+<p:sld xmlns:a="http://schemas.openxmlformats.org/drawingml/2006/main" xmlns:r="http://schemas.openxmlformats.org/officeDocument/2006/relationships" xmlns:p="http://schemas.openxmlformats.org/presentationml/2006/main">
+  <p:cSld>
+    <p:spTree>
+      <p:nvGrpSpPr>
+        <p:cNvPr id="1" name=""/>
+        <p:cNvGrpSpPr/>
+        <p:nvPr/>
+      </p:nvGrpSpPr>
+      <p:grpSpPr>
+        <a:xfrm>
+          <a:off x="0" y="0"/>
+          <a:ext cx="0" cy="0"/>
+          <a:chOff x="0" y="0"/>
+          <a:chExt cx="0" cy="0"/>
+        </a:xfrm>
+      </p:grpSpPr>
+      <p:sp>
+        <p:nvSpPr>
+          <p:cNvPr id="2" name="Title 1">
+            <a:extLst>
+              <a:ext uri="{FF2B5EF4-FFF2-40B4-BE49-F238E27FC236}">
+                <a16:creationId xmlns:a16="http://schemas.microsoft.com/office/drawing/2014/main" id="{AFD028DC-693C-254A-A043-2140D321EB1C}"/>
+              </a:ext>
+            </a:extLst>
+          </p:cNvPr>
+          <p:cNvSpPr>
+            <a:spLocks noGrp="1"/>
+          </p:cNvSpPr>
+          <p:nvPr>
+            <p:ph type="title"/>
+          </p:nvPr>
+        </p:nvSpPr>
+        <p:spPr/>
+        <p:txBody>
+          <a:bodyPr/>
+          <a:lstStyle/>
+          <a:p>
+            <a:r>
+              <a:rPr lang="en-US" dirty="0"/>
               <a:t>Potential problems – Modeling</a:t>
             </a:r>
           </a:p>
         </p:txBody>
       </p:sp>
-      <mc:AlternateContent xmlns:mc="http://schemas.openxmlformats.org/markup-compatibility/2006" xmlns:a14="http://schemas.microsoft.com/office/drawing/2010/main">
-        <mc:Choice Requires="a14">
+      <mc:AlternateContent xmlns:mc="http://schemas.openxmlformats.org/markup-compatibility/2006">
+        <mc:Choice xmlns:a14="http://schemas.microsoft.com/office/drawing/2010/main" Requires="a14">
           <p:sp>
             <p:nvSpPr>
               <p:cNvPr id="3" name="Content Placeholder 2">
@@ -6750,7 +9021,12 @@
                 <p:ph idx="1"/>
               </p:nvPr>
             </p:nvSpPr>
-            <p:spPr/>
+            <p:spPr>
+              <a:xfrm>
+                <a:off x="838200" y="1463018"/>
+                <a:ext cx="10515600" cy="4351338"/>
+              </a:xfrm>
+            </p:spPr>
             <p:txBody>
               <a:bodyPr/>
               <a:lstStyle/>
@@ -6857,7 +9133,7 @@
             </p:txBody>
           </p:sp>
         </mc:Choice>
-        <mc:Fallback xmlns="">
+        <mc:Fallback>
           <p:sp>
             <p:nvSpPr>
               <p:cNvPr id="3" name="Content Placeholder 2">
@@ -6875,10 +9151,14 @@
               </p:nvPr>
             </p:nvSpPr>
             <p:spPr>
+              <a:xfrm>
+                <a:off x="838200" y="1463018"/>
+                <a:ext cx="10515600" cy="4351338"/>
+              </a:xfrm>
               <a:blipFill>
                 <a:blip r:embed="rId2"/>
                 <a:stretch>
-                  <a:fillRect t="-2632"/>
+                  <a:fillRect t="-2035"/>
                 </a:stretch>
               </a:blipFill>
             </p:spPr>
@@ -6897,600 +9177,204 @@
           </p:sp>
         </mc:Fallback>
       </mc:AlternateContent>
+      <p:pic>
+        <p:nvPicPr>
+          <p:cNvPr id="14" name="Picture 13" descr="A close up of a map&#10;&#10;Description automatically generated">
+            <a:extLst>
+              <a:ext uri="{FF2B5EF4-FFF2-40B4-BE49-F238E27FC236}">
+                <a16:creationId xmlns:a16="http://schemas.microsoft.com/office/drawing/2014/main" id="{506E5914-65D3-BE4D-8E0F-E1A7643F3A91}"/>
+              </a:ext>
+            </a:extLst>
+          </p:cNvPr>
+          <p:cNvPicPr>
+            <a:picLocks noChangeAspect="1"/>
+          </p:cNvPicPr>
+          <p:nvPr/>
+        </p:nvPicPr>
+        <p:blipFill>
+          <a:blip r:embed="rId3"/>
+          <a:stretch>
+            <a:fillRect/>
+          </a:stretch>
+        </p:blipFill>
+        <p:spPr>
+          <a:xfrm>
+            <a:off x="1038984" y="2506663"/>
+            <a:ext cx="5965821" cy="4351337"/>
+          </a:xfrm>
+          <a:prstGeom prst="rect">
+            <a:avLst/>
+          </a:prstGeom>
+        </p:spPr>
+      </p:pic>
+      <mc:AlternateContent xmlns:mc="http://schemas.openxmlformats.org/markup-compatibility/2006">
+        <mc:Choice xmlns:a14="http://schemas.microsoft.com/office/drawing/2010/main" Requires="a14">
+          <p:sp>
+            <p:nvSpPr>
+              <p:cNvPr id="15" name="TextBox 14">
+                <a:extLst>
+                  <a:ext uri="{FF2B5EF4-FFF2-40B4-BE49-F238E27FC236}">
+                    <a16:creationId xmlns:a16="http://schemas.microsoft.com/office/drawing/2014/main" id="{C5BD5CE6-27A1-EC42-94C3-B73046325D05}"/>
+                  </a:ext>
+                </a:extLst>
+              </p:cNvPr>
+              <p:cNvSpPr txBox="1"/>
+              <p:nvPr/>
+            </p:nvSpPr>
+            <p:spPr>
+              <a:xfrm>
+                <a:off x="7668837" y="2782669"/>
+                <a:ext cx="3484179" cy="1754326"/>
+              </a:xfrm>
+              <a:prstGeom prst="rect">
+                <a:avLst/>
+              </a:prstGeom>
+              <a:noFill/>
+            </p:spPr>
+            <p:txBody>
+              <a:bodyPr wrap="square" rtlCol="0">
+                <a:spAutoFit/>
+              </a:bodyPr>
+              <a:lstStyle/>
+              <a:p>
+                <a:r>
+                  <a:rPr lang="en-US" dirty="0"/>
+                  <a:t>1) This is likely causing strange behaviors in the intermediate case! These ripples corrupt our predictors, especially </a:t>
+                </a:r>
+                <a14:m>
+                  <m:oMath xmlns:m="http://schemas.openxmlformats.org/officeDocument/2006/math">
+                    <m:r>
+                      <m:rPr>
+                        <m:sty m:val="p"/>
+                      </m:rPr>
+                      <a:rPr lang="en-US">
+                        <a:latin typeface="Cambria Math" panose="02040503050406030204" pitchFamily="18" charset="0"/>
+                      </a:rPr>
+                      <m:t>Δ</m:t>
+                    </m:r>
+                    <m:r>
+                      <a:rPr lang="en-US" i="1">
+                        <a:latin typeface="Cambria Math" panose="02040503050406030204" pitchFamily="18" charset="0"/>
+                      </a:rPr>
+                      <m:t>𝑟𝑎𝑛𝑑𝑜𝑚</m:t>
+                    </m:r>
+                    <m:d>
+                      <m:dPr>
+                        <m:ctrlPr>
+                          <a:rPr lang="en-US" i="1">
+                            <a:latin typeface="Cambria Math" panose="02040503050406030204" pitchFamily="18" charset="0"/>
+                          </a:rPr>
+                        </m:ctrlPr>
+                      </m:dPr>
+                      <m:e>
+                        <m:r>
+                          <a:rPr lang="en-US" i="1">
+                            <a:latin typeface="Cambria Math" panose="02040503050406030204" pitchFamily="18" charset="0"/>
+                          </a:rPr>
+                          <m:t>𝑋</m:t>
+                        </m:r>
+                      </m:e>
+                    </m:d>
+                    <m:r>
+                      <a:rPr lang="en-US" b="0" i="0" smtClean="0">
+                        <a:latin typeface="Cambria Math" panose="02040503050406030204" pitchFamily="18" charset="0"/>
+                      </a:rPr>
+                      <m:t>,</m:t>
+                    </m:r>
+                  </m:oMath>
+                </a14:m>
+                <a:r>
+                  <a:rPr lang="en-US" dirty="0"/>
+                  <a:t> which is close to 0 at the top of each ripple.</a:t>
+                </a:r>
+              </a:p>
+            </p:txBody>
+          </p:sp>
+        </mc:Choice>
+        <mc:Fallback>
+          <p:sp>
+            <p:nvSpPr>
+              <p:cNvPr id="15" name="TextBox 14">
+                <a:extLst>
+                  <a:ext uri="{FF2B5EF4-FFF2-40B4-BE49-F238E27FC236}">
+                    <a16:creationId xmlns:a16="http://schemas.microsoft.com/office/drawing/2014/main" id="{C5BD5CE6-27A1-EC42-94C3-B73046325D05}"/>
+                  </a:ext>
+                </a:extLst>
+              </p:cNvPr>
+              <p:cNvSpPr txBox="1">
+                <a:spLocks noRot="1" noChangeAspect="1" noMove="1" noResize="1" noEditPoints="1" noAdjustHandles="1" noChangeArrowheads="1" noChangeShapeType="1" noTextEdit="1"/>
+              </p:cNvSpPr>
+              <p:nvPr/>
+            </p:nvSpPr>
+            <p:spPr>
+              <a:xfrm>
+                <a:off x="7668837" y="2782669"/>
+                <a:ext cx="3484179" cy="1754326"/>
+              </a:xfrm>
+              <a:prstGeom prst="rect">
+                <a:avLst/>
+              </a:prstGeom>
+              <a:blipFill>
+                <a:blip r:embed="rId4"/>
+                <a:stretch>
+                  <a:fillRect l="-1091" t="-1439" r="-2182" b="-4317"/>
+                </a:stretch>
+              </a:blipFill>
+            </p:spPr>
+            <p:txBody>
+              <a:bodyPr/>
+              <a:lstStyle/>
+              <a:p>
+                <a:r>
+                  <a:rPr lang="en-US">
+                    <a:noFill/>
+                  </a:rPr>
+                  <a:t> </a:t>
+                </a:r>
+              </a:p>
+            </p:txBody>
+          </p:sp>
+        </mc:Fallback>
+      </mc:AlternateContent>
+      <p:sp>
+        <p:nvSpPr>
+          <p:cNvPr id="16" name="TextBox 15">
+            <a:extLst>
+              <a:ext uri="{FF2B5EF4-FFF2-40B4-BE49-F238E27FC236}">
+                <a16:creationId xmlns:a16="http://schemas.microsoft.com/office/drawing/2014/main" id="{CF1D8FA7-4832-DC43-8322-D1B56B76C503}"/>
+              </a:ext>
+            </a:extLst>
+          </p:cNvPr>
+          <p:cNvSpPr txBox="1"/>
+          <p:nvPr/>
+        </p:nvSpPr>
+        <p:spPr>
+          <a:xfrm>
+            <a:off x="7668836" y="5028811"/>
+            <a:ext cx="3484179" cy="1200329"/>
+          </a:xfrm>
+          <a:prstGeom prst="rect">
+            <a:avLst/>
+          </a:prstGeom>
+          <a:noFill/>
+        </p:spPr>
+        <p:txBody>
+          <a:bodyPr wrap="square" rtlCol="0">
+            <a:spAutoFit/>
+          </a:bodyPr>
+          <a:lstStyle/>
+          <a:p>
+            <a:r>
+              <a:rPr lang="en-US" dirty="0"/>
+              <a:t>2) Also, normalization is causing violations later in the sequence to cause a smaller (rather than larger) change in normalized random(x)</a:t>
+            </a:r>
+          </a:p>
+        </p:txBody>
+      </p:sp>
     </p:spTree>
     <p:extLst>
       <p:ext uri="{BB962C8B-B14F-4D97-AF65-F5344CB8AC3E}">
         <p14:creationId xmlns:p14="http://schemas.microsoft.com/office/powerpoint/2010/main" val="2568168399"/>
-      </p:ext>
-    </p:extLst>
-  </p:cSld>
-  <p:clrMapOvr>
-    <a:masterClrMapping/>
-  </p:clrMapOvr>
-</p:sld>
-</file>
-
-<file path=ppt/slides/slide29.xml><?xml version="1.0" encoding="utf-8"?>
-<p:sld xmlns:a="http://schemas.openxmlformats.org/drawingml/2006/main" xmlns:r="http://schemas.openxmlformats.org/officeDocument/2006/relationships" xmlns:p="http://schemas.openxmlformats.org/presentationml/2006/main">
-  <p:cSld>
-    <p:spTree>
-      <p:nvGrpSpPr>
-        <p:cNvPr id="1" name=""/>
-        <p:cNvGrpSpPr/>
-        <p:nvPr/>
-      </p:nvGrpSpPr>
-      <p:grpSpPr>
-        <a:xfrm>
-          <a:off x="0" y="0"/>
-          <a:ext cx="0" cy="0"/>
-          <a:chOff x="0" y="0"/>
-          <a:chExt cx="0" cy="0"/>
-        </a:xfrm>
-      </p:grpSpPr>
-      <p:sp>
-        <p:nvSpPr>
-          <p:cNvPr id="2" name="Title 1">
-            <a:extLst>
-              <a:ext uri="{FF2B5EF4-FFF2-40B4-BE49-F238E27FC236}">
-                <a16:creationId xmlns:a16="http://schemas.microsoft.com/office/drawing/2014/main" id="{AFD028DC-693C-254A-A043-2140D321EB1C}"/>
-              </a:ext>
-            </a:extLst>
-          </p:cNvPr>
-          <p:cNvSpPr>
-            <a:spLocks noGrp="1"/>
-          </p:cNvSpPr>
-          <p:nvPr>
-            <p:ph type="title"/>
-          </p:nvPr>
-        </p:nvSpPr>
-        <p:spPr/>
-        <p:txBody>
-          <a:bodyPr/>
-          <a:lstStyle/>
-          <a:p>
-            <a:r>
-              <a:rPr lang="en-US" dirty="0"/>
-              <a:t>Potential problems – Modeling</a:t>
-            </a:r>
-          </a:p>
-        </p:txBody>
-      </p:sp>
-      <p:sp>
-        <p:nvSpPr>
-          <p:cNvPr id="3" name="Content Placeholder 2">
-            <a:extLst>
-              <a:ext uri="{FF2B5EF4-FFF2-40B4-BE49-F238E27FC236}">
-                <a16:creationId xmlns:a16="http://schemas.microsoft.com/office/drawing/2014/main" id="{D456F73F-59E9-FD4F-9D9D-CB0DF939F6F9}"/>
-              </a:ext>
-            </a:extLst>
-          </p:cNvPr>
-          <p:cNvSpPr>
-            <a:spLocks noGrp="1"/>
-          </p:cNvSpPr>
-          <p:nvPr>
-            <p:ph idx="1"/>
-          </p:nvPr>
-        </p:nvSpPr>
-        <p:spPr/>
-        <p:txBody>
-          <a:bodyPr/>
-          <a:lstStyle/>
-          <a:p>
-            <a:pPr marL="0" indent="0" algn="ctr">
-              <a:buNone/>
-            </a:pPr>
-            <a:r>
-              <a:rPr lang="en-US" dirty="0">
-                <a:sym typeface="Wingdings" pitchFamily="2" charset="2"/>
-              </a:rPr>
-              <a:t>The role of </a:t>
-            </a:r>
-            <a:r>
-              <a:rPr lang="en-US" i="1" dirty="0">
-                <a:sym typeface="Wingdings" pitchFamily="2" charset="2"/>
-              </a:rPr>
-              <a:t>C</a:t>
-            </a:r>
-            <a:r>
-              <a:rPr lang="en-US" dirty="0">
-                <a:sym typeface="Wingdings" pitchFamily="2" charset="2"/>
-              </a:rPr>
-              <a:t> in HMM transition matrix: </a:t>
-            </a:r>
-            <a:r>
-              <a:rPr lang="en-US" i="1" u="sng" dirty="0"/>
-              <a:t>C is a constant</a:t>
-            </a:r>
-          </a:p>
-          <a:p>
-            <a:pPr marL="0" indent="0">
-              <a:buNone/>
-            </a:pPr>
-            <a:endParaRPr lang="en-US" dirty="0"/>
-          </a:p>
-          <a:p>
-            <a:pPr marL="0" indent="0">
-              <a:buNone/>
-            </a:pPr>
-            <a:r>
-              <a:rPr lang="en-US" dirty="0">
-                <a:sym typeface="Wingdings" pitchFamily="2" charset="2"/>
-              </a:rPr>
-              <a:t>- We deviate from Griffith &amp; Tenenbaum’s (2003) definition of the constant </a:t>
-            </a:r>
-            <a:r>
-              <a:rPr lang="en-US" i="1" dirty="0">
-                <a:sym typeface="Wingdings" pitchFamily="2" charset="2"/>
-              </a:rPr>
-              <a:t>C </a:t>
-            </a:r>
-            <a:r>
-              <a:rPr lang="en-US" dirty="0">
-                <a:sym typeface="Wingdings" pitchFamily="2" charset="2"/>
-              </a:rPr>
-              <a:t>in the transition matrix </a:t>
-            </a:r>
-          </a:p>
-          <a:p>
-            <a:pPr marL="0" indent="0">
-              <a:buNone/>
-            </a:pPr>
-            <a:endParaRPr lang="en-US" dirty="0"/>
-          </a:p>
-        </p:txBody>
-      </p:sp>
-    </p:spTree>
-    <p:extLst>
-      <p:ext uri="{BB962C8B-B14F-4D97-AF65-F5344CB8AC3E}">
-        <p14:creationId xmlns:p14="http://schemas.microsoft.com/office/powerpoint/2010/main" val="2727580938"/>
-      </p:ext>
-    </p:extLst>
-  </p:cSld>
-  <p:clrMapOvr>
-    <a:masterClrMapping/>
-  </p:clrMapOvr>
-</p:sld>
-</file>
-
-<file path=ppt/slides/slide3.xml><?xml version="1.0" encoding="utf-8"?>
-<p:sld xmlns:a="http://schemas.openxmlformats.org/drawingml/2006/main" xmlns:r="http://schemas.openxmlformats.org/officeDocument/2006/relationships" xmlns:p="http://schemas.openxmlformats.org/presentationml/2006/main">
-  <p:cSld>
-    <p:spTree>
-      <p:nvGrpSpPr>
-        <p:cNvPr id="1" name=""/>
-        <p:cNvGrpSpPr/>
-        <p:nvPr/>
-      </p:nvGrpSpPr>
-      <p:grpSpPr>
-        <a:xfrm>
-          <a:off x="0" y="0"/>
-          <a:ext cx="0" cy="0"/>
-          <a:chOff x="0" y="0"/>
-          <a:chExt cx="0" cy="0"/>
-        </a:xfrm>
-      </p:grpSpPr>
-      <p:sp>
-        <p:nvSpPr>
-          <p:cNvPr id="2" name="Title 1">
-            <a:extLst>
-              <a:ext uri="{FF2B5EF4-FFF2-40B4-BE49-F238E27FC236}">
-                <a16:creationId xmlns:a16="http://schemas.microsoft.com/office/drawing/2014/main" id="{371278A0-3AED-DD44-9426-F7734FE052A4}"/>
-              </a:ext>
-            </a:extLst>
-          </p:cNvPr>
-          <p:cNvSpPr>
-            <a:spLocks noGrp="1"/>
-          </p:cNvSpPr>
-          <p:nvPr>
-            <p:ph type="title"/>
-          </p:nvPr>
-        </p:nvSpPr>
-        <p:spPr/>
-        <p:txBody>
-          <a:bodyPr/>
-          <a:lstStyle/>
-          <a:p>
-            <a:r>
-              <a:rPr lang="en-US" dirty="0"/>
-              <a:t>Note </a:t>
-            </a:r>
-          </a:p>
-        </p:txBody>
-      </p:sp>
-      <p:sp>
-        <p:nvSpPr>
-          <p:cNvPr id="3" name="Content Placeholder 2">
-            <a:extLst>
-              <a:ext uri="{FF2B5EF4-FFF2-40B4-BE49-F238E27FC236}">
-                <a16:creationId xmlns:a16="http://schemas.microsoft.com/office/drawing/2014/main" id="{F7E366D0-B014-9B48-92F2-EF816E97B927}"/>
-              </a:ext>
-            </a:extLst>
-          </p:cNvPr>
-          <p:cNvSpPr>
-            <a:spLocks noGrp="1"/>
-          </p:cNvSpPr>
-          <p:nvPr>
-            <p:ph idx="1"/>
-          </p:nvPr>
-        </p:nvSpPr>
-        <p:spPr/>
-        <p:txBody>
-          <a:bodyPr/>
-          <a:lstStyle/>
-          <a:p>
-            <a:pPr marL="0" indent="0" algn="ctr">
-              <a:buNone/>
-            </a:pPr>
-            <a:r>
-              <a:rPr lang="en-US" dirty="0"/>
-              <a:t>Key experimental and modelling decisions that may have caused undesirable outcomes are </a:t>
-            </a:r>
-            <a:r>
-              <a:rPr lang="en-US" i="1" u="sng" dirty="0"/>
-              <a:t>underlined and italicized </a:t>
-            </a:r>
-            <a:r>
-              <a:rPr lang="en-US" dirty="0"/>
-              <a:t>throughout the presentation and will be discussed in detail in the </a:t>
-            </a:r>
-            <a:r>
-              <a:rPr lang="en-US" b="1" dirty="0"/>
-              <a:t>Potential problems </a:t>
-            </a:r>
-            <a:r>
-              <a:rPr lang="en-US" dirty="0"/>
-              <a:t>section</a:t>
-            </a:r>
-          </a:p>
-        </p:txBody>
-      </p:sp>
-    </p:spTree>
-    <p:extLst>
-      <p:ext uri="{BB962C8B-B14F-4D97-AF65-F5344CB8AC3E}">
-        <p14:creationId xmlns:p14="http://schemas.microsoft.com/office/powerpoint/2010/main" val="4237877513"/>
-      </p:ext>
-    </p:extLst>
-  </p:cSld>
-  <p:clrMapOvr>
-    <a:masterClrMapping/>
-  </p:clrMapOvr>
-</p:sld>
-</file>
-
-<file path=ppt/slides/slide30.xml><?xml version="1.0" encoding="utf-8"?>
-<p:sld xmlns:a="http://schemas.openxmlformats.org/drawingml/2006/main" xmlns:r="http://schemas.openxmlformats.org/officeDocument/2006/relationships" xmlns:p="http://schemas.openxmlformats.org/presentationml/2006/main">
-  <p:cSld>
-    <p:spTree>
-      <p:nvGrpSpPr>
-        <p:cNvPr id="1" name=""/>
-        <p:cNvGrpSpPr/>
-        <p:nvPr/>
-      </p:nvGrpSpPr>
-      <p:grpSpPr>
-        <a:xfrm>
-          <a:off x="0" y="0"/>
-          <a:ext cx="0" cy="0"/>
-          <a:chOff x="0" y="0"/>
-          <a:chExt cx="0" cy="0"/>
-        </a:xfrm>
-      </p:grpSpPr>
-      <p:sp>
-        <p:nvSpPr>
-          <p:cNvPr id="2" name="Title 1">
-            <a:extLst>
-              <a:ext uri="{FF2B5EF4-FFF2-40B4-BE49-F238E27FC236}">
-                <a16:creationId xmlns:a16="http://schemas.microsoft.com/office/drawing/2014/main" id="{35C609D7-4981-A245-94CB-C2F045DAB3BF}"/>
-              </a:ext>
-            </a:extLst>
-          </p:cNvPr>
-          <p:cNvSpPr>
-            <a:spLocks noGrp="1"/>
-          </p:cNvSpPr>
-          <p:nvPr>
-            <p:ph type="title"/>
-          </p:nvPr>
-        </p:nvSpPr>
-        <p:spPr/>
-        <p:txBody>
-          <a:bodyPr/>
-          <a:lstStyle/>
-          <a:p>
-            <a:r>
-              <a:rPr lang="en-US" dirty="0"/>
-              <a:t>Potential problems – Modeling</a:t>
-            </a:r>
-          </a:p>
-        </p:txBody>
-      </p:sp>
-      <p:sp>
-        <p:nvSpPr>
-          <p:cNvPr id="3" name="Content Placeholder 2">
-            <a:extLst>
-              <a:ext uri="{FF2B5EF4-FFF2-40B4-BE49-F238E27FC236}">
-                <a16:creationId xmlns:a16="http://schemas.microsoft.com/office/drawing/2014/main" id="{657D4482-C036-154F-A00A-06269544BA0A}"/>
-              </a:ext>
-            </a:extLst>
-          </p:cNvPr>
-          <p:cNvSpPr>
-            <a:spLocks noGrp="1"/>
-          </p:cNvSpPr>
-          <p:nvPr>
-            <p:ph idx="1"/>
-          </p:nvPr>
-        </p:nvSpPr>
-        <p:spPr/>
-        <p:txBody>
-          <a:bodyPr/>
-          <a:lstStyle/>
-          <a:p>
-            <a:pPr marL="0" indent="0" algn="ctr">
-              <a:buNone/>
-            </a:pPr>
-            <a:r>
-              <a:rPr lang="en-US" dirty="0"/>
-              <a:t>Experiment 2: Decision model: </a:t>
-            </a:r>
-            <a:r>
-              <a:rPr lang="en-US" i="1" u="sng" dirty="0"/>
-              <a:t>We relate these measures to the probability of disengagement via logistic regression</a:t>
-            </a:r>
-          </a:p>
-          <a:p>
-            <a:endParaRPr lang="en-US" dirty="0"/>
-          </a:p>
-        </p:txBody>
-      </p:sp>
-    </p:spTree>
-    <p:extLst>
-      <p:ext uri="{BB962C8B-B14F-4D97-AF65-F5344CB8AC3E}">
-        <p14:creationId xmlns:p14="http://schemas.microsoft.com/office/powerpoint/2010/main" val="3436932153"/>
-      </p:ext>
-    </p:extLst>
-  </p:cSld>
-  <p:clrMapOvr>
-    <a:masterClrMapping/>
-  </p:clrMapOvr>
-</p:sld>
-</file>
-
-<file path=ppt/slides/slide31.xml><?xml version="1.0" encoding="utf-8"?>
-<p:sld xmlns:a="http://schemas.openxmlformats.org/drawingml/2006/main" xmlns:r="http://schemas.openxmlformats.org/officeDocument/2006/relationships" xmlns:p="http://schemas.openxmlformats.org/presentationml/2006/main">
-  <p:cSld>
-    <p:spTree>
-      <p:nvGrpSpPr>
-        <p:cNvPr id="1" name=""/>
-        <p:cNvGrpSpPr/>
-        <p:nvPr/>
-      </p:nvGrpSpPr>
-      <p:grpSpPr>
-        <a:xfrm>
-          <a:off x="0" y="0"/>
-          <a:ext cx="0" cy="0"/>
-          <a:chOff x="0" y="0"/>
-          <a:chExt cx="0" cy="0"/>
-        </a:xfrm>
-      </p:grpSpPr>
-      <p:sp>
-        <p:nvSpPr>
-          <p:cNvPr id="2" name="Title 1">
-            <a:extLst>
-              <a:ext uri="{FF2B5EF4-FFF2-40B4-BE49-F238E27FC236}">
-                <a16:creationId xmlns:a16="http://schemas.microsoft.com/office/drawing/2014/main" id="{2FEAAFD5-3F02-A143-BC1C-A250010677B0}"/>
-              </a:ext>
-            </a:extLst>
-          </p:cNvPr>
-          <p:cNvSpPr>
-            <a:spLocks noGrp="1"/>
-          </p:cNvSpPr>
-          <p:nvPr>
-            <p:ph type="title"/>
-          </p:nvPr>
-        </p:nvSpPr>
-        <p:spPr/>
-        <p:txBody>
-          <a:bodyPr/>
-          <a:lstStyle/>
-          <a:p>
-            <a:r>
-              <a:rPr lang="en-US" dirty="0"/>
-              <a:t>Potential problems</a:t>
-            </a:r>
-          </a:p>
-        </p:txBody>
-      </p:sp>
-      <p:sp>
-        <p:nvSpPr>
-          <p:cNvPr id="3" name="Content Placeholder 2">
-            <a:extLst>
-              <a:ext uri="{FF2B5EF4-FFF2-40B4-BE49-F238E27FC236}">
-                <a16:creationId xmlns:a16="http://schemas.microsoft.com/office/drawing/2014/main" id="{E14A05C1-EC5C-4246-AD39-A42AC38E2530}"/>
-              </a:ext>
-            </a:extLst>
-          </p:cNvPr>
-          <p:cNvSpPr>
-            <a:spLocks noGrp="1"/>
-          </p:cNvSpPr>
-          <p:nvPr>
-            <p:ph idx="1"/>
-          </p:nvPr>
-        </p:nvSpPr>
-        <p:spPr/>
-        <p:txBody>
-          <a:bodyPr>
-            <a:normAutofit/>
-          </a:bodyPr>
-          <a:lstStyle/>
-          <a:p>
-            <a:r>
-              <a:rPr lang="en-US" dirty="0"/>
-              <a:t>Experiment:</a:t>
-            </a:r>
-          </a:p>
-          <a:p>
-            <a:pPr lvl="1"/>
-            <a:r>
-              <a:rPr lang="en-US" dirty="0"/>
-              <a:t>We only measure proxy for engagement: predicting the next symbol (or terminating when they feel the sequence is too random)</a:t>
-            </a:r>
-          </a:p>
-          <a:p>
-            <a:pPr lvl="2"/>
-            <a:r>
-              <a:rPr lang="en-US" dirty="0"/>
-              <a:t>We probably are biasing people to search for patterns, causing longer engagement with very random sequences</a:t>
-            </a:r>
-          </a:p>
-          <a:p>
-            <a:endParaRPr lang="en-US" dirty="0"/>
-          </a:p>
-          <a:p>
-            <a:r>
-              <a:rPr lang="en-US" dirty="0"/>
-              <a:t>Model:</a:t>
-            </a:r>
-          </a:p>
-          <a:p>
-            <a:pPr lvl="1"/>
-            <a:r>
-              <a:rPr lang="en-US" dirty="0"/>
-              <a:t>Changed C to separate effects of alpha and delta and results changed </a:t>
-            </a:r>
-          </a:p>
-          <a:p>
-            <a:pPr lvl="1"/>
-            <a:r>
-              <a:rPr lang="en-US" dirty="0"/>
-              <a:t>Questions about normalization</a:t>
-            </a:r>
-          </a:p>
-          <a:p>
-            <a:pPr lvl="2"/>
-            <a:r>
-              <a:rPr lang="en-US" dirty="0"/>
-              <a:t>Currently normalizing by random(</a:t>
-            </a:r>
-            <a:r>
-              <a:rPr lang="en-US" dirty="0" err="1"/>
-              <a:t>x_max</a:t>
-            </a:r>
-            <a:r>
-              <a:rPr lang="en-US" dirty="0"/>
-              <a:t>), are there better options?</a:t>
-            </a:r>
-          </a:p>
-        </p:txBody>
-      </p:sp>
-    </p:spTree>
-    <p:extLst>
-      <p:ext uri="{BB962C8B-B14F-4D97-AF65-F5344CB8AC3E}">
-        <p14:creationId xmlns:p14="http://schemas.microsoft.com/office/powerpoint/2010/main" val="2210288216"/>
-      </p:ext>
-    </p:extLst>
-  </p:cSld>
-  <p:clrMapOvr>
-    <a:masterClrMapping/>
-  </p:clrMapOvr>
-</p:sld>
-</file>
-
-<file path=ppt/slides/slide32.xml><?xml version="1.0" encoding="utf-8"?>
-<p:sld xmlns:a="http://schemas.openxmlformats.org/drawingml/2006/main" xmlns:r="http://schemas.openxmlformats.org/officeDocument/2006/relationships" xmlns:p="http://schemas.openxmlformats.org/presentationml/2006/main">
-  <p:cSld>
-    <p:spTree>
-      <p:nvGrpSpPr>
-        <p:cNvPr id="1" name=""/>
-        <p:cNvGrpSpPr/>
-        <p:nvPr/>
-      </p:nvGrpSpPr>
-      <p:grpSpPr>
-        <a:xfrm>
-          <a:off x="0" y="0"/>
-          <a:ext cx="0" cy="0"/>
-          <a:chOff x="0" y="0"/>
-          <a:chExt cx="0" cy="0"/>
-        </a:xfrm>
-      </p:grpSpPr>
-      <p:sp>
-        <p:nvSpPr>
-          <p:cNvPr id="2" name="Title 1">
-            <a:extLst>
-              <a:ext uri="{FF2B5EF4-FFF2-40B4-BE49-F238E27FC236}">
-                <a16:creationId xmlns:a16="http://schemas.microsoft.com/office/drawing/2014/main" id="{ED99FC0B-79C2-CD47-BA96-DD3B5CE851AA}"/>
-              </a:ext>
-            </a:extLst>
-          </p:cNvPr>
-          <p:cNvSpPr>
-            <a:spLocks noGrp="1"/>
-          </p:cNvSpPr>
-          <p:nvPr>
-            <p:ph type="title"/>
-          </p:nvPr>
-        </p:nvSpPr>
-        <p:spPr/>
-        <p:txBody>
-          <a:bodyPr/>
-          <a:lstStyle/>
-          <a:p>
-            <a:r>
-              <a:rPr lang="en-US" dirty="0"/>
-              <a:t>Potential problems</a:t>
-            </a:r>
-          </a:p>
-        </p:txBody>
-      </p:sp>
-      <p:sp>
-        <p:nvSpPr>
-          <p:cNvPr id="3" name="Content Placeholder 2">
-            <a:extLst>
-              <a:ext uri="{FF2B5EF4-FFF2-40B4-BE49-F238E27FC236}">
-                <a16:creationId xmlns:a16="http://schemas.microsoft.com/office/drawing/2014/main" id="{57FC677D-6EF3-9E4D-9BAC-308468150EA7}"/>
-              </a:ext>
-            </a:extLst>
-          </p:cNvPr>
-          <p:cNvSpPr>
-            <a:spLocks noGrp="1"/>
-          </p:cNvSpPr>
-          <p:nvPr>
-            <p:ph idx="1"/>
-          </p:nvPr>
-        </p:nvSpPr>
-        <p:spPr/>
-        <p:txBody>
-          <a:bodyPr/>
-          <a:lstStyle/>
-          <a:p>
-            <a:pPr marL="0" indent="0">
-              <a:buNone/>
-            </a:pPr>
-            <a:endParaRPr lang="en-US" dirty="0">
-              <a:sym typeface="Wingdings" pitchFamily="2" charset="2"/>
-            </a:endParaRPr>
-          </a:p>
-          <a:p>
-            <a:pPr marL="0" indent="0">
-              <a:buNone/>
-            </a:pPr>
-            <a:endParaRPr lang="en-US" dirty="0">
-              <a:sym typeface="Wingdings" pitchFamily="2" charset="2"/>
-            </a:endParaRPr>
-          </a:p>
-          <a:p>
-            <a:pPr marL="0" indent="0">
-              <a:buNone/>
-            </a:pPr>
-            <a:endParaRPr lang="en-US" dirty="0">
-              <a:sym typeface="Wingdings" pitchFamily="2" charset="2"/>
-            </a:endParaRPr>
-          </a:p>
-          <a:p>
-            <a:endParaRPr lang="en-US" dirty="0"/>
-          </a:p>
-        </p:txBody>
-      </p:sp>
-    </p:spTree>
-    <p:extLst>
-      <p:ext uri="{BB962C8B-B14F-4D97-AF65-F5344CB8AC3E}">
-        <p14:creationId xmlns:p14="http://schemas.microsoft.com/office/powerpoint/2010/main" val="712862618"/>
       </p:ext>
     </p:extLst>
   </p:cSld>
@@ -7522,7 +9406,7 @@
           <p:cNvPr id="2" name="Title 1">
             <a:extLst>
               <a:ext uri="{FF2B5EF4-FFF2-40B4-BE49-F238E27FC236}">
-                <a16:creationId xmlns:a16="http://schemas.microsoft.com/office/drawing/2014/main" id="{C7ED540C-545C-7B45-8B57-CE99285FA431}"/>
+                <a16:creationId xmlns:a16="http://schemas.microsoft.com/office/drawing/2014/main" id="{AFD028DC-693C-254A-A043-2140D321EB1C}"/>
               </a:ext>
             </a:extLst>
           </p:cNvPr>
@@ -7540,40 +9424,353 @@
           <a:p>
             <a:r>
               <a:rPr lang="en-US" dirty="0"/>
-              <a:t>Potential problems</a:t>
-            </a:r>
-          </a:p>
-        </p:txBody>
-      </p:sp>
-      <p:sp>
-        <p:nvSpPr>
-          <p:cNvPr id="3" name="Content Placeholder 2">
-            <a:extLst>
-              <a:ext uri="{FF2B5EF4-FFF2-40B4-BE49-F238E27FC236}">
-                <a16:creationId xmlns:a16="http://schemas.microsoft.com/office/drawing/2014/main" id="{ACACC051-CA4B-EC4D-A304-B391F8F08432}"/>
-              </a:ext>
-            </a:extLst>
-          </p:cNvPr>
-          <p:cNvSpPr>
-            <a:spLocks noGrp="1"/>
-          </p:cNvSpPr>
-          <p:nvPr>
-            <p:ph idx="1"/>
-          </p:nvPr>
-        </p:nvSpPr>
-        <p:spPr/>
-        <p:txBody>
-          <a:bodyPr/>
-          <a:lstStyle/>
-          <a:p>
-            <a:endParaRPr lang="en-US"/>
-          </a:p>
-        </p:txBody>
-      </p:sp>
+              <a:t>Potential problems – Modeling</a:t>
+            </a:r>
+          </a:p>
+        </p:txBody>
+      </p:sp>
+      <mc:AlternateContent xmlns:mc="http://schemas.openxmlformats.org/markup-compatibility/2006">
+        <mc:Choice xmlns:a14="http://schemas.microsoft.com/office/drawing/2010/main" Requires="a14">
+          <p:sp>
+            <p:nvSpPr>
+              <p:cNvPr id="3" name="Content Placeholder 2">
+                <a:extLst>
+                  <a:ext uri="{FF2B5EF4-FFF2-40B4-BE49-F238E27FC236}">
+                    <a16:creationId xmlns:a16="http://schemas.microsoft.com/office/drawing/2014/main" id="{D456F73F-59E9-FD4F-9D9D-CB0DF939F6F9}"/>
+                  </a:ext>
+                </a:extLst>
+              </p:cNvPr>
+              <p:cNvSpPr>
+                <a:spLocks noGrp="1"/>
+              </p:cNvSpPr>
+              <p:nvPr>
+                <p:ph idx="1"/>
+              </p:nvPr>
+            </p:nvSpPr>
+            <p:spPr>
+              <a:xfrm>
+                <a:off x="838200" y="1502761"/>
+                <a:ext cx="10515600" cy="5041188"/>
+              </a:xfrm>
+            </p:spPr>
+            <p:txBody>
+              <a:bodyPr>
+                <a:normAutofit fontScale="92500" lnSpcReduction="10000"/>
+              </a:bodyPr>
+              <a:lstStyle/>
+              <a:p>
+                <a:pPr marL="0" indent="0" algn="ctr">
+                  <a:buNone/>
+                </a:pPr>
+                <a:r>
+                  <a:rPr lang="en-US" dirty="0">
+                    <a:sym typeface="Wingdings" pitchFamily="2" charset="2"/>
+                  </a:rPr>
+                  <a:t>The role of </a:t>
+                </a:r>
+                <a:r>
+                  <a:rPr lang="en-US" i="1" dirty="0">
+                    <a:sym typeface="Wingdings" pitchFamily="2" charset="2"/>
+                  </a:rPr>
+                  <a:t>C</a:t>
+                </a:r>
+                <a:r>
+                  <a:rPr lang="en-US" dirty="0">
+                    <a:sym typeface="Wingdings" pitchFamily="2" charset="2"/>
+                  </a:rPr>
+                  <a:t> in HMM transition matrix: </a:t>
+                </a:r>
+                <a:r>
+                  <a:rPr lang="en-US" i="1" u="sng" dirty="0"/>
+                  <a:t>C is a constant</a:t>
+                </a:r>
+              </a:p>
+              <a:p>
+                <a:pPr marL="0" indent="0">
+                  <a:buNone/>
+                </a:pPr>
+                <a:endParaRPr lang="en-US" dirty="0"/>
+              </a:p>
+              <a:p>
+                <a:pPr>
+                  <a:buFontTx/>
+                  <a:buChar char="-"/>
+                </a:pPr>
+                <a:r>
+                  <a:rPr lang="en-US" dirty="0">
+                    <a:sym typeface="Wingdings" pitchFamily="2" charset="2"/>
+                  </a:rPr>
+                  <a:t>We deviate from Griffith &amp; Tenenbaum’s (2003) definition of the constant </a:t>
+                </a:r>
+                <a:r>
+                  <a:rPr lang="en-US" i="1" dirty="0">
+                    <a:sym typeface="Wingdings" pitchFamily="2" charset="2"/>
+                  </a:rPr>
+                  <a:t>C </a:t>
+                </a:r>
+                <a:r>
+                  <a:rPr lang="en-US" dirty="0">
+                    <a:sym typeface="Wingdings" pitchFamily="2" charset="2"/>
+                  </a:rPr>
+                  <a:t>in the transition matrix. They define (in the binary case):</a:t>
+                </a:r>
+              </a:p>
+              <a:p>
+                <a:pPr marL="0" indent="0">
+                  <a:buNone/>
+                </a:pPr>
+                <a:endParaRPr lang="en-US" dirty="0">
+                  <a:sym typeface="Wingdings" pitchFamily="2" charset="2"/>
+                </a:endParaRPr>
+              </a:p>
+              <a:p>
+                <a:pPr marL="0" indent="0">
+                  <a:buNone/>
+                </a:pPr>
+                <a14:m>
+                  <m:oMathPara xmlns:m="http://schemas.openxmlformats.org/officeDocument/2006/math">
+                    <m:oMathParaPr>
+                      <m:jc m:val="centerGroup"/>
+                    </m:oMathParaPr>
+                    <m:oMath xmlns:m="http://schemas.openxmlformats.org/officeDocument/2006/math">
+                      <m:r>
+                        <a:rPr lang="en-US" b="0" i="1" smtClean="0">
+                          <a:latin typeface="Cambria Math" panose="02040503050406030204" pitchFamily="18" charset="0"/>
+                          <a:sym typeface="Wingdings" pitchFamily="2" charset="2"/>
+                        </a:rPr>
+                        <m:t>𝐶</m:t>
+                      </m:r>
+                      <m:r>
+                        <a:rPr lang="en-US" b="0" i="1" smtClean="0">
+                          <a:latin typeface="Cambria Math" panose="02040503050406030204" pitchFamily="18" charset="0"/>
+                          <a:sym typeface="Wingdings" pitchFamily="2" charset="2"/>
+                        </a:rPr>
+                        <m:t>=</m:t>
+                      </m:r>
+                      <m:f>
+                        <m:fPr>
+                          <m:ctrlPr>
+                            <a:rPr lang="en-US" b="0" i="1" smtClean="0">
+                              <a:latin typeface="Cambria Math" panose="02040503050406030204" pitchFamily="18" charset="0"/>
+                              <a:sym typeface="Wingdings" pitchFamily="2" charset="2"/>
+                            </a:rPr>
+                          </m:ctrlPr>
+                        </m:fPr>
+                        <m:num>
+                          <m:r>
+                            <a:rPr lang="en-US" b="0" i="1" smtClean="0">
+                              <a:latin typeface="Cambria Math" panose="02040503050406030204" pitchFamily="18" charset="0"/>
+                              <a:sym typeface="Wingdings" pitchFamily="2" charset="2"/>
+                            </a:rPr>
+                            <m:t>1−</m:t>
+                          </m:r>
+                          <m:r>
+                            <a:rPr lang="en-US" b="0" i="1" smtClean="0">
+                              <a:latin typeface="Cambria Math" panose="02040503050406030204" pitchFamily="18" charset="0"/>
+                              <a:sym typeface="Wingdings" pitchFamily="2" charset="2"/>
+                            </a:rPr>
+                            <m:t>𝛿</m:t>
+                          </m:r>
+                        </m:num>
+                        <m:den>
+                          <m:r>
+                            <a:rPr lang="en-US" b="0" i="1" smtClean="0">
+                              <a:latin typeface="Cambria Math" panose="02040503050406030204" pitchFamily="18" charset="0"/>
+                              <a:sym typeface="Wingdings" pitchFamily="2" charset="2"/>
+                            </a:rPr>
+                            <m:t>2</m:t>
+                          </m:r>
+                          <m:r>
+                            <a:rPr lang="en-US" b="0" i="1" smtClean="0">
+                              <a:latin typeface="Cambria Math" panose="02040503050406030204" pitchFamily="18" charset="0"/>
+                              <a:sym typeface="Wingdings" pitchFamily="2" charset="2"/>
+                            </a:rPr>
+                            <m:t>𝛼</m:t>
+                          </m:r>
+                          <m:r>
+                            <a:rPr lang="en-US" b="0" i="1" smtClean="0">
+                              <a:latin typeface="Cambria Math" panose="02040503050406030204" pitchFamily="18" charset="0"/>
+                              <a:sym typeface="Wingdings" pitchFamily="2" charset="2"/>
+                            </a:rPr>
+                            <m:t>+2</m:t>
+                          </m:r>
+                          <m:sSup>
+                            <m:sSupPr>
+                              <m:ctrlPr>
+                                <a:rPr lang="en-US" b="0" i="1" smtClean="0">
+                                  <a:latin typeface="Cambria Math" panose="02040503050406030204" pitchFamily="18" charset="0"/>
+                                  <a:sym typeface="Wingdings" pitchFamily="2" charset="2"/>
+                                </a:rPr>
+                              </m:ctrlPr>
+                            </m:sSupPr>
+                            <m:e>
+                              <m:r>
+                                <a:rPr lang="en-US" b="0" i="1" smtClean="0">
+                                  <a:latin typeface="Cambria Math" panose="02040503050406030204" pitchFamily="18" charset="0"/>
+                                  <a:sym typeface="Wingdings" pitchFamily="2" charset="2"/>
+                                </a:rPr>
+                                <m:t>𝛼</m:t>
+                              </m:r>
+                            </m:e>
+                            <m:sup>
+                              <m:r>
+                                <a:rPr lang="en-US" b="0" i="1" smtClean="0">
+                                  <a:latin typeface="Cambria Math" panose="02040503050406030204" pitchFamily="18" charset="0"/>
+                                  <a:sym typeface="Wingdings" pitchFamily="2" charset="2"/>
+                                </a:rPr>
+                                <m:t>2</m:t>
+                              </m:r>
+                            </m:sup>
+                          </m:sSup>
+                        </m:den>
+                      </m:f>
+                    </m:oMath>
+                  </m:oMathPara>
+                </a14:m>
+                <a:endParaRPr lang="en-US" dirty="0">
+                  <a:sym typeface="Wingdings" pitchFamily="2" charset="2"/>
+                </a:endParaRPr>
+              </a:p>
+              <a:p>
+                <a:pPr marL="0" indent="0">
+                  <a:buNone/>
+                </a:pPr>
+                <a:endParaRPr lang="en-US" dirty="0"/>
+              </a:p>
+              <a:p>
+                <a:pPr marL="0" indent="0">
+                  <a:buNone/>
+                </a:pPr>
+                <a:r>
+                  <a:rPr lang="en-US" dirty="0"/>
+                  <a:t>However, it is not clear what this constant does. It does not normalize the transition matrix (i.e. rows don’t add up to 1). </a:t>
+                </a:r>
+              </a:p>
+              <a:p>
+                <a:pPr marL="0" indent="0">
+                  <a:buNone/>
+                </a:pPr>
+                <a:r>
+                  <a:rPr lang="en-US" dirty="0"/>
+                  <a:t>We define C such that it is different in each row because depending on the state were are in, delta will replace either </a:t>
+                </a:r>
+                <a14:m>
+                  <m:oMath xmlns:m="http://schemas.openxmlformats.org/officeDocument/2006/math">
+                    <m:r>
+                      <a:rPr lang="en-US" i="1">
+                        <a:latin typeface="Cambria Math" panose="02040503050406030204" pitchFamily="18" charset="0"/>
+                        <a:sym typeface="Wingdings" pitchFamily="2" charset="2"/>
+                      </a:rPr>
+                      <m:t>𝐶</m:t>
+                    </m:r>
+                    <m:r>
+                      <a:rPr lang="en-US" b="0" i="1" smtClean="0">
+                        <a:latin typeface="Cambria Math" panose="02040503050406030204" pitchFamily="18" charset="0"/>
+                        <a:sym typeface="Wingdings" pitchFamily="2" charset="2"/>
+                      </a:rPr>
+                      <m:t>𝛼</m:t>
+                    </m:r>
+                  </m:oMath>
+                </a14:m>
+                <a:r>
+                  <a:rPr lang="en-US" dirty="0"/>
+                  <a:t> or </a:t>
+                </a:r>
+                <a14:m>
+                  <m:oMath xmlns:m="http://schemas.openxmlformats.org/officeDocument/2006/math">
+                    <m:r>
+                      <a:rPr lang="en-US" i="1">
+                        <a:latin typeface="Cambria Math" panose="02040503050406030204" pitchFamily="18" charset="0"/>
+                        <a:sym typeface="Wingdings" pitchFamily="2" charset="2"/>
+                      </a:rPr>
+                      <m:t>𝐶</m:t>
+                    </m:r>
+                    <m:sSup>
+                      <m:sSupPr>
+                        <m:ctrlPr>
+                          <a:rPr lang="en-US" b="0" i="1" smtClean="0">
+                            <a:latin typeface="Cambria Math" panose="02040503050406030204" pitchFamily="18" charset="0"/>
+                            <a:sym typeface="Wingdings" pitchFamily="2" charset="2"/>
+                          </a:rPr>
+                        </m:ctrlPr>
+                      </m:sSupPr>
+                      <m:e>
+                        <m:r>
+                          <a:rPr lang="en-US" b="0" i="1" smtClean="0">
+                            <a:latin typeface="Cambria Math" panose="02040503050406030204" pitchFamily="18" charset="0"/>
+                            <a:sym typeface="Wingdings" pitchFamily="2" charset="2"/>
+                          </a:rPr>
+                          <m:t>𝛼</m:t>
+                        </m:r>
+                      </m:e>
+                      <m:sup>
+                        <m:r>
+                          <a:rPr lang="en-US" b="0" i="1" smtClean="0">
+                            <a:latin typeface="Cambria Math" panose="02040503050406030204" pitchFamily="18" charset="0"/>
+                            <a:sym typeface="Wingdings" pitchFamily="2" charset="2"/>
+                          </a:rPr>
+                          <m:t>2</m:t>
+                        </m:r>
+                      </m:sup>
+                    </m:sSup>
+                  </m:oMath>
+                </a14:m>
+                <a:r>
+                  <a:rPr lang="en-US" dirty="0"/>
+                  <a:t>, so we need C to be different in those two cases so that probabilities sum to 1.</a:t>
+                </a:r>
+              </a:p>
+            </p:txBody>
+          </p:sp>
+        </mc:Choice>
+        <mc:Fallback>
+          <p:sp>
+            <p:nvSpPr>
+              <p:cNvPr id="3" name="Content Placeholder 2">
+                <a:extLst>
+                  <a:ext uri="{FF2B5EF4-FFF2-40B4-BE49-F238E27FC236}">
+                    <a16:creationId xmlns:a16="http://schemas.microsoft.com/office/drawing/2014/main" id="{D456F73F-59E9-FD4F-9D9D-CB0DF939F6F9}"/>
+                  </a:ext>
+                </a:extLst>
+              </p:cNvPr>
+              <p:cNvSpPr>
+                <a:spLocks noGrp="1" noRot="1" noChangeAspect="1" noMove="1" noResize="1" noEditPoints="1" noAdjustHandles="1" noChangeArrowheads="1" noChangeShapeType="1" noTextEdit="1"/>
+              </p:cNvSpPr>
+              <p:nvPr>
+                <p:ph idx="1"/>
+              </p:nvPr>
+            </p:nvSpPr>
+            <p:spPr>
+              <a:xfrm>
+                <a:off x="838200" y="1502761"/>
+                <a:ext cx="10515600" cy="5041188"/>
+              </a:xfrm>
+              <a:blipFill>
+                <a:blip r:embed="rId2"/>
+                <a:stretch>
+                  <a:fillRect l="-965" t="-2261" r="-1206" b="-2764"/>
+                </a:stretch>
+              </a:blipFill>
+            </p:spPr>
+            <p:txBody>
+              <a:bodyPr/>
+              <a:lstStyle/>
+              <a:p>
+                <a:r>
+                  <a:rPr lang="en-US">
+                    <a:noFill/>
+                  </a:rPr>
+                  <a:t> </a:t>
+                </a:r>
+              </a:p>
+            </p:txBody>
+          </p:sp>
+        </mc:Fallback>
+      </mc:AlternateContent>
     </p:spTree>
     <p:extLst>
       <p:ext uri="{BB962C8B-B14F-4D97-AF65-F5344CB8AC3E}">
-        <p14:creationId xmlns:p14="http://schemas.microsoft.com/office/powerpoint/2010/main" val="2144022692"/>
+        <p14:creationId xmlns:p14="http://schemas.microsoft.com/office/powerpoint/2010/main" val="2727580938"/>
       </p:ext>
     </p:extLst>
   </p:cSld>
@@ -7605,7 +9802,7 @@
           <p:cNvPr id="2" name="Title 1">
             <a:extLst>
               <a:ext uri="{FF2B5EF4-FFF2-40B4-BE49-F238E27FC236}">
-                <a16:creationId xmlns:a16="http://schemas.microsoft.com/office/drawing/2014/main" id="{A50EA131-174C-A54B-A205-92CAF4C7083F}"/>
+                <a16:creationId xmlns:a16="http://schemas.microsoft.com/office/drawing/2014/main" id="{35C609D7-4981-A245-94CB-C2F045DAB3BF}"/>
               </a:ext>
             </a:extLst>
           </p:cNvPr>
@@ -7623,7 +9820,7 @@
           <a:p>
             <a:r>
               <a:rPr lang="en-US" dirty="0"/>
-              <a:t>Future directions	</a:t>
+              <a:t>Potential problems – Modeling</a:t>
             </a:r>
           </a:p>
         </p:txBody>
@@ -7633,7 +9830,7 @@
           <p:cNvPr id="3" name="Content Placeholder 2">
             <a:extLst>
               <a:ext uri="{FF2B5EF4-FFF2-40B4-BE49-F238E27FC236}">
-                <a16:creationId xmlns:a16="http://schemas.microsoft.com/office/drawing/2014/main" id="{85D899C3-4505-E742-A16C-0DD6194CD345}"/>
+                <a16:creationId xmlns:a16="http://schemas.microsoft.com/office/drawing/2014/main" id="{657D4482-C036-154F-A00A-06269544BA0A}"/>
               </a:ext>
             </a:extLst>
           </p:cNvPr>
@@ -7646,6 +9843,138 @@
         </p:nvSpPr>
         <p:spPr/>
         <p:txBody>
+          <a:bodyPr/>
+          <a:lstStyle/>
+          <a:p>
+            <a:pPr marL="0" indent="0" algn="ctr">
+              <a:buNone/>
+            </a:pPr>
+            <a:r>
+              <a:rPr lang="en-US" dirty="0"/>
+              <a:t>Experiment 2: Decision model: </a:t>
+            </a:r>
+            <a:r>
+              <a:rPr lang="en-US" i="1" u="sng" dirty="0"/>
+              <a:t>We relate these measures to the probability of disengagement via logistic regression</a:t>
+            </a:r>
+          </a:p>
+          <a:p>
+            <a:endParaRPr lang="en-US" dirty="0"/>
+          </a:p>
+        </p:txBody>
+      </p:sp>
+      <p:sp>
+        <p:nvSpPr>
+          <p:cNvPr id="5" name="TextBox 4">
+            <a:extLst>
+              <a:ext uri="{FF2B5EF4-FFF2-40B4-BE49-F238E27FC236}">
+                <a16:creationId xmlns:a16="http://schemas.microsoft.com/office/drawing/2014/main" id="{4CB4E01C-5A26-4C49-8FA5-821632E58617}"/>
+              </a:ext>
+            </a:extLst>
+          </p:cNvPr>
+          <p:cNvSpPr txBox="1"/>
+          <p:nvPr/>
+        </p:nvSpPr>
+        <p:spPr>
+          <a:xfrm>
+            <a:off x="1145627" y="3429000"/>
+            <a:ext cx="9900745" cy="1815882"/>
+          </a:xfrm>
+          <a:prstGeom prst="rect">
+            <a:avLst/>
+          </a:prstGeom>
+          <a:noFill/>
+        </p:spPr>
+        <p:txBody>
+          <a:bodyPr wrap="square" rtlCol="0">
+            <a:spAutoFit/>
+          </a:bodyPr>
+          <a:lstStyle/>
+          <a:p>
+            <a:pPr algn="ctr"/>
+            <a:r>
+              <a:rPr lang="en-US" sz="2800" dirty="0"/>
+              <a:t>We did this analysis as a first pass, but it may not be the right statistical tool, because data availability (i.e. termination) depends on our predictor. We are looking into survival regression methods to rectify this.</a:t>
+            </a:r>
+          </a:p>
+        </p:txBody>
+      </p:sp>
+    </p:spTree>
+    <p:extLst>
+      <p:ext uri="{BB962C8B-B14F-4D97-AF65-F5344CB8AC3E}">
+        <p14:creationId xmlns:p14="http://schemas.microsoft.com/office/powerpoint/2010/main" val="3436932153"/>
+      </p:ext>
+    </p:extLst>
+  </p:cSld>
+  <p:clrMapOvr>
+    <a:masterClrMapping/>
+  </p:clrMapOvr>
+</p:sld>
+</file>
+
+<file path=ppt/slides/slide35.xml><?xml version="1.0" encoding="utf-8"?>
+<p:sld xmlns:a="http://schemas.openxmlformats.org/drawingml/2006/main" xmlns:r="http://schemas.openxmlformats.org/officeDocument/2006/relationships" xmlns:p="http://schemas.openxmlformats.org/presentationml/2006/main">
+  <p:cSld>
+    <p:spTree>
+      <p:nvGrpSpPr>
+        <p:cNvPr id="1" name=""/>
+        <p:cNvGrpSpPr/>
+        <p:nvPr/>
+      </p:nvGrpSpPr>
+      <p:grpSpPr>
+        <a:xfrm>
+          <a:off x="0" y="0"/>
+          <a:ext cx="0" cy="0"/>
+          <a:chOff x="0" y="0"/>
+          <a:chExt cx="0" cy="0"/>
+        </a:xfrm>
+      </p:grpSpPr>
+      <p:sp>
+        <p:nvSpPr>
+          <p:cNvPr id="2" name="Title 1">
+            <a:extLst>
+              <a:ext uri="{FF2B5EF4-FFF2-40B4-BE49-F238E27FC236}">
+                <a16:creationId xmlns:a16="http://schemas.microsoft.com/office/drawing/2014/main" id="{A50EA131-174C-A54B-A205-92CAF4C7083F}"/>
+              </a:ext>
+            </a:extLst>
+          </p:cNvPr>
+          <p:cNvSpPr>
+            <a:spLocks noGrp="1"/>
+          </p:cNvSpPr>
+          <p:nvPr>
+            <p:ph type="title"/>
+          </p:nvPr>
+        </p:nvSpPr>
+        <p:spPr/>
+        <p:txBody>
+          <a:bodyPr/>
+          <a:lstStyle/>
+          <a:p>
+            <a:r>
+              <a:rPr lang="en-US" dirty="0"/>
+              <a:t>Future directions	</a:t>
+            </a:r>
+          </a:p>
+        </p:txBody>
+      </p:sp>
+      <p:sp>
+        <p:nvSpPr>
+          <p:cNvPr id="3" name="Content Placeholder 2">
+            <a:extLst>
+              <a:ext uri="{FF2B5EF4-FFF2-40B4-BE49-F238E27FC236}">
+                <a16:creationId xmlns:a16="http://schemas.microsoft.com/office/drawing/2014/main" id="{85D899C3-4505-E742-A16C-0DD6194CD345}"/>
+              </a:ext>
+            </a:extLst>
+          </p:cNvPr>
+          <p:cNvSpPr>
+            <a:spLocks noGrp="1"/>
+          </p:cNvSpPr>
+          <p:nvPr>
+            <p:ph idx="1"/>
+          </p:nvPr>
+        </p:nvSpPr>
+        <p:spPr/>
+        <p:txBody>
           <a:bodyPr>
             <a:normAutofit lnSpcReduction="10000"/>
           </a:bodyPr>
@@ -7660,22 +9989,14 @@
             <a:pPr lvl="1"/>
             <a:r>
               <a:rPr lang="en-US" dirty="0"/>
-              <a:t>Measure true engagement (ability to change to next sequence/frame based on boredom/preference, not </a:t>
-            </a:r>
-            <a:r>
-              <a:rPr lang="en-US" dirty="0" err="1"/>
-              <a:t>predicition</a:t>
-            </a:r>
+              <a:t>Measure true engagement (ability to change to next sequence/frame based on boredom/preference, not prediction of next symbol?)</a:t>
+            </a:r>
+          </a:p>
+          <a:p>
+            <a:pPr lvl="1"/>
             <a:r>
               <a:rPr lang="en-US" dirty="0"/>
-              <a:t> of next symbol? </a:t>
-            </a:r>
-          </a:p>
-          <a:p>
-            <a:pPr lvl="1"/>
-            <a:r>
-              <a:rPr lang="en-US" dirty="0"/>
-              <a:t>Are temporal sequences the best way to test engagement? (screensavers)</a:t>
+              <a:t>Are temporal sequences the best way to test engagement? (screensavers?)</a:t>
             </a:r>
           </a:p>
           <a:p>
@@ -7713,7 +10034,7 @@
             <a:pPr lvl="1"/>
             <a:r>
               <a:rPr lang="en-US" dirty="0"/>
-              <a:t>Fix normalization somehow</a:t>
+              <a:t>Explore better methods of normalizing sequence randomness</a:t>
             </a:r>
           </a:p>
         </p:txBody>
@@ -8339,8 +10660,8 @@
           </a:p>
         </p:txBody>
       </p:sp>
-      <mc:AlternateContent xmlns:mc="http://schemas.openxmlformats.org/markup-compatibility/2006">
-        <mc:Choice xmlns:a14="http://schemas.microsoft.com/office/drawing/2010/main" Requires="a14">
+      <mc:AlternateContent xmlns:mc="http://schemas.openxmlformats.org/markup-compatibility/2006" xmlns:a14="http://schemas.microsoft.com/office/drawing/2010/main">
+        <mc:Choice Requires="a14">
           <p:sp>
             <p:nvSpPr>
               <p:cNvPr id="7" name="TextBox 6">
@@ -8355,7 +10676,7 @@
             </p:nvSpPr>
             <p:spPr>
               <a:xfrm>
-                <a:off x="2125325" y="5473822"/>
+                <a:off x="2482677" y="5535863"/>
                 <a:ext cx="8335663" cy="1200329"/>
               </a:xfrm>
               <a:prstGeom prst="rect">
@@ -8423,7 +10744,7 @@
             </p:txBody>
           </p:sp>
         </mc:Choice>
-        <mc:Fallback>
+        <mc:Fallback xmlns="">
           <p:sp>
             <p:nvSpPr>
               <p:cNvPr id="7" name="TextBox 6">
@@ -8440,7 +10761,7 @@
             </p:nvSpPr>
             <p:spPr>
               <a:xfrm>
-                <a:off x="2125325" y="5473822"/>
+                <a:off x="2482677" y="5535863"/>
                 <a:ext cx="8335663" cy="1200329"/>
               </a:xfrm>
               <a:prstGeom prst="rect">
@@ -8449,7 +10770,7 @@
               <a:blipFill>
                 <a:blip r:embed="rId3"/>
                 <a:stretch>
-                  <a:fillRect l="-304" t="-2083" r="-912" b="-6250"/>
+                  <a:fillRect l="-304" t="-2105" r="-912" b="-7368"/>
                 </a:stretch>
               </a:blipFill>
             </p:spPr>
@@ -9182,7 +11503,7 @@
                 <a:pPr lvl="1"/>
                 <a:r>
                   <a:rPr lang="en-US" dirty="0"/>
-                  <a:t>Random sequences have high algorithmic complexity complexity, structured sequences have low algorithmic complexity.</a:t>
+                  <a:t>Random sequences have high algorithmic complexity, structured sequences have low algorithmic complexity.</a:t>
                 </a:r>
               </a:p>
               <a:p>
@@ -9850,7 +12171,7 @@
               <a:blipFill>
                 <a:blip r:embed="rId2"/>
                 <a:stretch>
-                  <a:fillRect l="-844" t="-2725"/>
+                  <a:fillRect l="-844" t="-2725" r="-1086"/>
                 </a:stretch>
               </a:blipFill>
             </p:spPr>
@@ -9859,7 +12180,7 @@
               <a:lstStyle/>
               <a:p>
                 <a:r>
-                  <a:rPr lang="en-US">
+                  <a:rPr lang="en-CH">
                     <a:noFill/>
                   </a:rPr>
                   <a:t> </a:t>
